--- a/SourceCode/GreenField/GreenField.Web/Templates/Full IC Report template.pptx
+++ b/SourceCode/GreenField/GreenField.Web/Templates/Full IC Report template.pptx
@@ -320,7 +320,7 @@
             <a:fld id="{7BA49677-E515-4D80-9969-42B0962A10A0}" type="datetime1">
               <a:rPr lang="en-US"/>
               <a:pPr/>
-              <a:t>10/24/2014</a:t>
+              <a:t>10/29/2014</a:t>
             </a:fld>
             <a:endParaRPr lang="en-US"/>
           </a:p>
@@ -1544,7 +1544,7 @@
           <a:p>
             <a:fld id="{221F4587-3C4B-45A7-B26F-E61215212BD7}" type="datetime1">
               <a:rPr lang="en-US" smtClean="0"/>
-              <a:t>10/24/2014</a:t>
+              <a:t>10/29/2014</a:t>
             </a:fld>
             <a:endParaRPr lang="en-GB" dirty="0"/>
           </a:p>
@@ -1901,7 +1901,7 @@
           <a:p>
             <a:fld id="{5D4DDECE-779E-4403-BDF1-EC482D17F582}" type="datetime1">
               <a:rPr lang="en-US" smtClean="0"/>
-              <a:t>10/24/2014</a:t>
+              <a:t>10/29/2014</a:t>
             </a:fld>
             <a:endParaRPr lang="en-GB" dirty="0"/>
           </a:p>
@@ -2219,7 +2219,7 @@
           <a:p>
             <a:fld id="{DB5E7B97-3E05-4B55-BA90-6DF6A5CD8979}" type="datetime1">
               <a:rPr lang="en-US" smtClean="0"/>
-              <a:t>10/24/2014</a:t>
+              <a:t>10/29/2014</a:t>
             </a:fld>
             <a:endParaRPr lang="en-GB" dirty="0"/>
           </a:p>
@@ -2617,7 +2617,7 @@
           <a:p>
             <a:fld id="{4A55851F-C0CB-47F9-B3EA-A1782DCC4E66}" type="datetime1">
               <a:rPr lang="en-US" smtClean="0"/>
-              <a:t>10/24/2014</a:t>
+              <a:t>10/29/2014</a:t>
             </a:fld>
             <a:endParaRPr lang="en-GB" dirty="0"/>
           </a:p>
@@ -3015,7 +3015,7 @@
           <a:p>
             <a:fld id="{1462931B-2C99-41CD-8E87-9F5B01EB283C}" type="datetime1">
               <a:rPr lang="en-US" smtClean="0"/>
-              <a:t>10/24/2014</a:t>
+              <a:t>10/29/2014</a:t>
             </a:fld>
             <a:endParaRPr lang="en-GB" dirty="0"/>
           </a:p>
@@ -3339,7 +3339,7 @@
           <a:p>
             <a:fld id="{4FFB188F-A3DF-45DE-9366-DAFD81A4F846}" type="datetime1">
               <a:rPr lang="en-US" smtClean="0"/>
-              <a:t>10/24/2014</a:t>
+              <a:t>10/29/2014</a:t>
             </a:fld>
             <a:endParaRPr lang="en-GB" dirty="0"/>
           </a:p>
@@ -3663,7 +3663,7 @@
           <a:p>
             <a:fld id="{8CD432C1-BA4F-4DF9-B060-04EEA74AEB63}" type="datetime1">
               <a:rPr lang="en-US" smtClean="0"/>
-              <a:t>10/24/2014</a:t>
+              <a:t>10/29/2014</a:t>
             </a:fld>
             <a:endParaRPr lang="en-GB" dirty="0"/>
           </a:p>
@@ -3954,7 +3954,7 @@
           <a:p>
             <a:fld id="{9F3C91F2-FBB3-4742-8B5C-7E55D30FC346}" type="datetime1">
               <a:rPr lang="en-US" smtClean="0"/>
-              <a:t>10/24/2014</a:t>
+              <a:t>10/29/2014</a:t>
             </a:fld>
             <a:endParaRPr lang="en-GB" dirty="0"/>
           </a:p>
@@ -4171,7 +4171,7 @@
           <a:p>
             <a:fld id="{2E14C53F-BF27-4CA7-8275-1A34A7D51537}" type="datetime1">
               <a:rPr lang="en-US" smtClean="0"/>
-              <a:t>10/24/2014</a:t>
+              <a:t>10/29/2014</a:t>
             </a:fld>
             <a:endParaRPr lang="en-GB" dirty="0"/>
           </a:p>
@@ -4388,7 +4388,7 @@
           <a:p>
             <a:fld id="{9B619E48-0410-4C02-AFAC-073FDB2FBD47}" type="datetime1">
               <a:rPr lang="en-US" smtClean="0"/>
-              <a:t>10/24/2014</a:t>
+              <a:t>10/29/2014</a:t>
             </a:fld>
             <a:endParaRPr lang="en-GB" dirty="0"/>
           </a:p>
@@ -4559,7 +4559,7 @@
           <a:p>
             <a:fld id="{2B98A838-AA72-4594-ACAF-57868F9946A0}" type="datetime1">
               <a:rPr lang="en-US" smtClean="0"/>
-              <a:t>10/24/2014</a:t>
+              <a:t>10/29/2014</a:t>
             </a:fld>
             <a:endParaRPr lang="en-GB" dirty="0"/>
           </a:p>
@@ -5047,7 +5047,7 @@
           <a:p>
             <a:fld id="{D5235630-917D-47C5-A7FD-05EDE5C2EC97}" type="datetime1">
               <a:rPr lang="en-US" smtClean="0"/>
-              <a:t>10/24/2014</a:t>
+              <a:t>10/29/2014</a:t>
             </a:fld>
             <a:endParaRPr lang="en-GB" dirty="0"/>
           </a:p>
@@ -5196,7 +5196,7 @@
           <a:p>
             <a:fld id="{CF31C152-3035-461B-9FE9-A713524E711D}" type="datetime1">
               <a:rPr lang="en-US" smtClean="0"/>
-              <a:t>10/24/2014</a:t>
+              <a:t>10/29/2014</a:t>
             </a:fld>
             <a:endParaRPr lang="en-GB" dirty="0"/>
           </a:p>
@@ -5625,7 +5625,7 @@
           <a:p>
             <a:fld id="{044B89F7-7123-4CDC-B897-5FFC4B928E38}" type="datetime1">
               <a:rPr lang="en-US" smtClean="0"/>
-              <a:t>10/24/2014</a:t>
+              <a:t>10/29/2014</a:t>
             </a:fld>
             <a:endParaRPr lang="en-GB" dirty="0"/>
           </a:p>
@@ -5924,7 +5924,7 @@
           <a:p>
             <a:fld id="{FEE53783-98F3-4518-B0F1-483EEA357D14}" type="datetime1">
               <a:rPr lang="en-US" smtClean="0"/>
-              <a:t>10/24/2014</a:t>
+              <a:t>10/29/2014</a:t>
             </a:fld>
             <a:endParaRPr lang="en-GB" dirty="0"/>
           </a:p>
@@ -6256,7 +6256,7 @@
           <a:p>
             <a:fld id="{8E44F8FC-BFC5-45B3-BDBC-AB429CDAD8AB}" type="datetime1">
               <a:rPr lang="en-US" smtClean="0"/>
-              <a:t>10/24/2014</a:t>
+              <a:t>10/29/2014</a:t>
             </a:fld>
             <a:endParaRPr lang="en-GB" dirty="0"/>
           </a:p>
@@ -6695,7 +6695,7 @@
           <a:p>
             <a:fld id="{19F2D611-B658-40CB-A3C9-5636775BE6D3}" type="datetime1">
               <a:rPr lang="en-US" smtClean="0"/>
-              <a:t>10/24/2014</a:t>
+              <a:t>10/29/2014</a:t>
             </a:fld>
             <a:endParaRPr lang="en-GB" dirty="0"/>
           </a:p>
@@ -7253,7 +7253,7 @@
           <a:p>
             <a:fld id="{6F46AB46-B9E5-459F-8C87-534B33EF7994}" type="datetime1">
               <a:rPr lang="en-US" smtClean="0"/>
-              <a:t>10/24/2014</a:t>
+              <a:t>10/29/2014</a:t>
             </a:fld>
             <a:endParaRPr lang="en-GB" dirty="0"/>
           </a:p>
@@ -7457,7 +7457,7 @@
           <a:p>
             <a:fld id="{239014C9-6137-49EE-BD92-93CD75EA122E}" type="datetime1">
               <a:rPr lang="en-US" smtClean="0"/>
-              <a:t>10/24/2014</a:t>
+              <a:t>10/29/2014</a:t>
             </a:fld>
             <a:endParaRPr lang="en-GB" dirty="0"/>
           </a:p>
@@ -7661,7 +7661,7 @@
           <a:p>
             <a:fld id="{8F93730E-7C97-4F11-A885-A8A3179CDF9D}" type="datetime1">
               <a:rPr lang="en-US" smtClean="0"/>
-              <a:t>10/24/2014</a:t>
+              <a:t>10/29/2014</a:t>
             </a:fld>
             <a:endParaRPr lang="en-GB" dirty="0"/>
           </a:p>
@@ -7865,7 +7865,7 @@
           <a:p>
             <a:fld id="{A0CFCDFA-6933-4EAC-BEFF-5BC170CA4404}" type="datetime1">
               <a:rPr lang="en-US" smtClean="0"/>
-              <a:t>10/24/2014</a:t>
+              <a:t>10/29/2014</a:t>
             </a:fld>
             <a:endParaRPr lang="en-GB" dirty="0"/>
           </a:p>
@@ -8112,7 +8112,7 @@
           <a:p>
             <a:fld id="{CB6B008C-3601-43E4-B8C3-F11D36064B19}" type="datetime1">
               <a:rPr lang="en-US" smtClean="0"/>
-              <a:t>10/24/2014</a:t>
+              <a:t>10/29/2014</a:t>
             </a:fld>
             <a:endParaRPr lang="en-GB" dirty="0"/>
           </a:p>
@@ -8298,7 +8298,7 @@
           <a:p>
             <a:fld id="{A2A6D869-B416-4AD0-8C4F-183B93BDC3F2}" type="datetime1">
               <a:rPr lang="en-US" smtClean="0"/>
-              <a:t>10/24/2014</a:t>
+              <a:t>10/29/2014</a:t>
             </a:fld>
             <a:endParaRPr lang="en-GB" dirty="0"/>
           </a:p>
@@ -8467,7 +8467,7 @@
           <a:p>
             <a:fld id="{0EDA1953-F1C9-4687-9D65-25471E433FB8}" type="datetime1">
               <a:rPr lang="en-US" smtClean="0"/>
-              <a:t>10/24/2014</a:t>
+              <a:t>10/29/2014</a:t>
             </a:fld>
             <a:endParaRPr lang="en-GB" dirty="0"/>
           </a:p>
@@ -10431,7 +10431,7 @@
           <a:p>
             <a:fld id="{E1C1B178-CC15-49BC-9DD7-D11C28670564}" type="datetime1">
               <a:rPr lang="en-US" sz="800" smtClean="0"/>
-              <a:t>10/24/2014</a:t>
+              <a:t>10/29/2014</a:t>
             </a:fld>
             <a:endParaRPr lang="en-GB" sz="800" dirty="0"/>
           </a:p>
@@ -10446,14 +10446,14 @@
           <p:nvPr>
             <p:extLst>
               <p:ext uri="{D42A27DB-BD31-4B8C-83A1-F6EECF244321}">
-                <p14:modId xmlns:p14="http://schemas.microsoft.com/office/powerpoint/2010/main" val="3014305545"/>
+                <p14:modId xmlns:p14="http://schemas.microsoft.com/office/powerpoint/2010/main" val="1931082185"/>
               </p:ext>
             </p:extLst>
           </p:nvPr>
         </p:nvGraphicFramePr>
         <p:xfrm>
           <a:off x="411480" y="732327"/>
-          <a:ext cx="6035040" cy="2295353"/>
+          <a:ext cx="6035040" cy="2529031"/>
         </p:xfrm>
         <a:graphic>
           <a:graphicData uri="http://schemas.openxmlformats.org/drawingml/2006/table">
@@ -10463,11 +10463,11 @@
               </a:tblPr>
               <a:tblGrid>
                 <a:gridCol w="1508759"/>
-                <a:gridCol w="1589393"/>
-                <a:gridCol w="1373514"/>
-                <a:gridCol w="1563374"/>
+                <a:gridCol w="1198881"/>
+                <a:gridCol w="1981200"/>
+                <a:gridCol w="1346200"/>
               </a:tblGrid>
-              <a:tr h="335672">
+              <a:tr h="325577">
                 <a:tc>
                   <a:txBody>
                     <a:bodyPr/>
@@ -10610,16 +10610,154 @@
                     <a:bodyPr/>
                     <a:lstStyle/>
                     <a:p>
+                      <a:r>
+                        <a:rPr lang="en-US" sz="1100" b="1" dirty="0" smtClean="0">
+                          <a:solidFill>
+                            <a:srgbClr val="00295B"/>
+                          </a:solidFill>
+                        </a:rPr>
+                        <a:t>Current Holdings: </a:t>
+                      </a:r>
+                      <a:endParaRPr lang="en-US" sz="1100" b="1" dirty="0">
+                        <a:solidFill>
+                          <a:srgbClr val="00295B"/>
+                        </a:solidFill>
+                      </a:endParaRPr>
+                    </a:p>
+                  </a:txBody>
+                  <a:tcPr marL="63238" marR="63238" marT="60896" marB="60896">
+                    <a:lnL w="12700" cap="flat" cmpd="sng" algn="ctr">
+                      <a:solidFill>
+                        <a:srgbClr val="98989C"/>
+                      </a:solidFill>
+                      <a:prstDash val="solid"/>
+                      <a:round/>
+                      <a:headEnd type="none" w="med" len="med"/>
+                      <a:tailEnd type="none" w="med" len="med"/>
+                    </a:lnL>
+                    <a:lnR w="12700" cap="flat" cmpd="sng" algn="ctr">
+                      <a:solidFill>
+                        <a:srgbClr val="98989C"/>
+                      </a:solidFill>
+                      <a:prstDash val="solid"/>
+                      <a:round/>
+                      <a:headEnd type="none" w="med" len="med"/>
+                      <a:tailEnd type="none" w="med" len="med"/>
+                    </a:lnR>
+                    <a:lnT w="12700" cap="flat" cmpd="sng" algn="ctr">
+                      <a:solidFill>
+                        <a:srgbClr val="98989C"/>
+                      </a:solidFill>
+                      <a:prstDash val="solid"/>
+                      <a:round/>
+                      <a:headEnd type="none" w="med" len="med"/>
+                      <a:tailEnd type="none" w="med" len="med"/>
+                    </a:lnT>
+                    <a:lnB w="12700" cap="flat" cmpd="sng" algn="ctr">
+                      <a:solidFill>
+                        <a:srgbClr val="98989C"/>
+                      </a:solidFill>
+                      <a:prstDash val="solid"/>
+                      <a:round/>
+                      <a:headEnd type="none" w="med" len="med"/>
+                      <a:tailEnd type="none" w="med" len="med"/>
+                    </a:lnB>
+                    <a:lnTlToBr w="12700" cmpd="sng">
+                      <a:noFill/>
+                      <a:prstDash val="solid"/>
+                    </a:lnTlToBr>
+                    <a:lnBlToTr w="12700" cmpd="sng">
+                      <a:noFill/>
+                      <a:prstDash val="solid"/>
+                    </a:lnBlToTr>
+                    <a:noFill/>
+                  </a:tcPr>
+                </a:tc>
+                <a:tc>
+                  <a:txBody>
+                    <a:bodyPr/>
+                    <a:lstStyle/>
+                    <a:p>
+                      <a:r>
+                        <a:rPr lang="en-US" sz="1100" b="0" dirty="0" err="1" smtClean="0">
+                          <a:solidFill>
+                            <a:srgbClr val="00295B"/>
+                          </a:solidFill>
+                        </a:rPr>
+                        <a:t>currholdings</a:t>
+                      </a:r>
+                      <a:endParaRPr lang="en-US" sz="1100" b="0" dirty="0">
+                        <a:solidFill>
+                          <a:srgbClr val="00295B"/>
+                        </a:solidFill>
+                      </a:endParaRPr>
+                    </a:p>
+                  </a:txBody>
+                  <a:tcPr marL="63238" marR="63238" marT="60896" marB="60896">
+                    <a:lnL w="12700" cap="flat" cmpd="sng" algn="ctr">
+                      <a:solidFill>
+                        <a:srgbClr val="98989C"/>
+                      </a:solidFill>
+                      <a:prstDash val="solid"/>
+                      <a:round/>
+                      <a:headEnd type="none" w="med" len="med"/>
+                      <a:tailEnd type="none" w="med" len="med"/>
+                    </a:lnL>
+                    <a:lnR w="12700" cap="flat" cmpd="sng" algn="ctr">
+                      <a:solidFill>
+                        <a:srgbClr val="98989C"/>
+                      </a:solidFill>
+                      <a:prstDash val="solid"/>
+                      <a:round/>
+                      <a:headEnd type="none" w="med" len="med"/>
+                      <a:tailEnd type="none" w="med" len="med"/>
+                    </a:lnR>
+                    <a:lnT w="12700" cap="flat" cmpd="sng" algn="ctr">
+                      <a:solidFill>
+                        <a:srgbClr val="98989C"/>
+                      </a:solidFill>
+                      <a:prstDash val="solid"/>
+                      <a:round/>
+                      <a:headEnd type="none" w="med" len="med"/>
+                      <a:tailEnd type="none" w="med" len="med"/>
+                    </a:lnT>
+                    <a:lnB w="12700" cap="flat" cmpd="sng" algn="ctr">
+                      <a:solidFill>
+                        <a:srgbClr val="98989C"/>
+                      </a:solidFill>
+                      <a:prstDash val="solid"/>
+                      <a:round/>
+                      <a:headEnd type="none" w="med" len="med"/>
+                      <a:tailEnd type="none" w="med" len="med"/>
+                    </a:lnB>
+                    <a:lnTlToBr w="12700" cmpd="sng">
+                      <a:noFill/>
+                      <a:prstDash val="solid"/>
+                    </a:lnTlToBr>
+                    <a:lnBlToTr w="12700" cmpd="sng">
+                      <a:noFill/>
+                      <a:prstDash val="solid"/>
+                    </a:lnBlToTr>
+                    <a:noFill/>
+                  </a:tcPr>
+                </a:tc>
+              </a:tr>
+              <a:tr h="302708">
+                <a:tc>
+                  <a:txBody>
+                    <a:bodyPr/>
+                    <a:lstStyle/>
+                    <a:p>
                       <a:pPr algn="l"/>
                       <a:r>
-                        <a:rPr lang="en-US" sz="1100" dirty="0" smtClean="0">
+                        <a:rPr lang="en-US" sz="1100" b="1" dirty="0" smtClean="0">
                           <a:solidFill>
                             <a:srgbClr val="00295B"/>
                           </a:solidFill>
                         </a:rPr>
                         <a:t>Country: </a:t>
                       </a:r>
-                      <a:endParaRPr lang="en-US" sz="1100" dirty="0">
+                      <a:endParaRPr lang="en-US" sz="1100" b="1" dirty="0">
                         <a:solidFill>
                           <a:srgbClr val="00295B"/>
                         </a:solidFill>
@@ -10687,7 +10825,70 @@
                         </a:rPr>
                         <a:t>Country</a:t>
                       </a:r>
-                      <a:endParaRPr lang="en-US" sz="1100" b="0" dirty="0" smtClean="0">
+                    </a:p>
+                  </a:txBody>
+                  <a:tcPr marL="63238" marR="63238" marT="60896" marB="60896">
+                    <a:lnL w="12700" cap="flat" cmpd="sng" algn="ctr">
+                      <a:solidFill>
+                        <a:srgbClr val="98989C"/>
+                      </a:solidFill>
+                      <a:prstDash val="solid"/>
+                      <a:round/>
+                      <a:headEnd type="none" w="med" len="med"/>
+                      <a:tailEnd type="none" w="med" len="med"/>
+                    </a:lnL>
+                    <a:lnR w="12700" cap="flat" cmpd="sng" algn="ctr">
+                      <a:solidFill>
+                        <a:srgbClr val="98989C"/>
+                      </a:solidFill>
+                      <a:prstDash val="solid"/>
+                      <a:round/>
+                      <a:headEnd type="none" w="med" len="med"/>
+                      <a:tailEnd type="none" w="med" len="med"/>
+                    </a:lnR>
+                    <a:lnT w="12700" cap="flat" cmpd="sng" algn="ctr">
+                      <a:solidFill>
+                        <a:srgbClr val="98989C"/>
+                      </a:solidFill>
+                      <a:prstDash val="solid"/>
+                      <a:round/>
+                      <a:headEnd type="none" w="med" len="med"/>
+                      <a:tailEnd type="none" w="med" len="med"/>
+                    </a:lnT>
+                    <a:lnB w="12700" cap="flat" cmpd="sng" algn="ctr">
+                      <a:solidFill>
+                        <a:srgbClr val="98989C"/>
+                      </a:solidFill>
+                      <a:prstDash val="solid"/>
+                      <a:round/>
+                      <a:headEnd type="none" w="med" len="med"/>
+                      <a:tailEnd type="none" w="med" len="med"/>
+                    </a:lnB>
+                    <a:lnTlToBr w="12700" cmpd="sng">
+                      <a:noFill/>
+                      <a:prstDash val="solid"/>
+                    </a:lnTlToBr>
+                    <a:lnBlToTr w="12700" cmpd="sng">
+                      <a:noFill/>
+                      <a:prstDash val="solid"/>
+                    </a:lnBlToTr>
+                    <a:noFill/>
+                  </a:tcPr>
+                </a:tc>
+                <a:tc>
+                  <a:txBody>
+                    <a:bodyPr/>
+                    <a:lstStyle/>
+                    <a:p>
+                      <a:r>
+                        <a:rPr lang="en-US" sz="1100" b="1" dirty="0" smtClean="0">
+                          <a:solidFill>
+                            <a:srgbClr val="00295B"/>
+                          </a:solidFill>
+                        </a:rPr>
+                        <a:t>% of NAV: </a:t>
+                      </a:r>
+                      <a:endParaRPr lang="en-US" sz="1100" b="1" dirty="0">
                         <a:solidFill>
                           <a:srgbClr val="00295B"/>
                         </a:solidFill>
@@ -10742,8 +10943,76 @@
                     <a:noFill/>
                   </a:tcPr>
                 </a:tc>
+                <a:tc>
+                  <a:txBody>
+                    <a:bodyPr/>
+                    <a:lstStyle/>
+                    <a:p>
+                      <a:r>
+                        <a:rPr lang="en-US" sz="1100" dirty="0" err="1" smtClean="0">
+                          <a:solidFill>
+                            <a:srgbClr val="00295B"/>
+                          </a:solidFill>
+                        </a:rPr>
+                        <a:t>Nav</a:t>
+                      </a:r>
+                      <a:endParaRPr lang="en-US" sz="1100" dirty="0">
+                        <a:solidFill>
+                          <a:srgbClr val="00295B"/>
+                        </a:solidFill>
+                      </a:endParaRPr>
+                    </a:p>
+                  </a:txBody>
+                  <a:tcPr marL="63238" marR="63238" marT="60896" marB="60896">
+                    <a:lnL w="12700" cap="flat" cmpd="sng" algn="ctr">
+                      <a:solidFill>
+                        <a:srgbClr val="98989C"/>
+                      </a:solidFill>
+                      <a:prstDash val="solid"/>
+                      <a:round/>
+                      <a:headEnd type="none" w="med" len="med"/>
+                      <a:tailEnd type="none" w="med" len="med"/>
+                    </a:lnL>
+                    <a:lnR w="12700" cap="flat" cmpd="sng" algn="ctr">
+                      <a:solidFill>
+                        <a:srgbClr val="98989C"/>
+                      </a:solidFill>
+                      <a:prstDash val="solid"/>
+                      <a:round/>
+                      <a:headEnd type="none" w="med" len="med"/>
+                      <a:tailEnd type="none" w="med" len="med"/>
+                    </a:lnR>
+                    <a:lnT w="12700" cap="flat" cmpd="sng" algn="ctr">
+                      <a:solidFill>
+                        <a:srgbClr val="98989C"/>
+                      </a:solidFill>
+                      <a:prstDash val="solid"/>
+                      <a:round/>
+                      <a:headEnd type="none" w="med" len="med"/>
+                      <a:tailEnd type="none" w="med" len="med"/>
+                    </a:lnT>
+                    <a:lnB w="12700" cap="flat" cmpd="sng" algn="ctr">
+                      <a:solidFill>
+                        <a:srgbClr val="98989C"/>
+                      </a:solidFill>
+                      <a:prstDash val="solid"/>
+                      <a:round/>
+                      <a:headEnd type="none" w="med" len="med"/>
+                      <a:tailEnd type="none" w="med" len="med"/>
+                    </a:lnB>
+                    <a:lnTlToBr w="12700" cmpd="sng">
+                      <a:noFill/>
+                      <a:prstDash val="solid"/>
+                    </a:lnTlToBr>
+                    <a:lnBlToTr w="12700" cmpd="sng">
+                      <a:noFill/>
+                      <a:prstDash val="solid"/>
+                    </a:lnBlToTr>
+                    <a:noFill/>
+                  </a:tcPr>
+                </a:tc>
               </a:tr>
-              <a:tr h="312094">
+              <a:tr h="302708">
                 <a:tc>
                   <a:txBody>
                     <a:bodyPr/>
@@ -10892,564 +11161,6 @@
                             <a:srgbClr val="00295B"/>
                           </a:solidFill>
                         </a:rPr>
-                        <a:t>Current Holdings: </a:t>
-                      </a:r>
-                      <a:endParaRPr lang="en-US" sz="1100" b="1" dirty="0">
-                        <a:solidFill>
-                          <a:srgbClr val="00295B"/>
-                        </a:solidFill>
-                      </a:endParaRPr>
-                    </a:p>
-                  </a:txBody>
-                  <a:tcPr marL="63238" marR="63238" marT="60896" marB="60896">
-                    <a:lnL w="12700" cap="flat" cmpd="sng" algn="ctr">
-                      <a:solidFill>
-                        <a:srgbClr val="98989C"/>
-                      </a:solidFill>
-                      <a:prstDash val="solid"/>
-                      <a:round/>
-                      <a:headEnd type="none" w="med" len="med"/>
-                      <a:tailEnd type="none" w="med" len="med"/>
-                    </a:lnL>
-                    <a:lnR w="12700" cap="flat" cmpd="sng" algn="ctr">
-                      <a:solidFill>
-                        <a:srgbClr val="98989C"/>
-                      </a:solidFill>
-                      <a:prstDash val="solid"/>
-                      <a:round/>
-                      <a:headEnd type="none" w="med" len="med"/>
-                      <a:tailEnd type="none" w="med" len="med"/>
-                    </a:lnR>
-                    <a:lnT w="12700" cap="flat" cmpd="sng" algn="ctr">
-                      <a:solidFill>
-                        <a:srgbClr val="98989C"/>
-                      </a:solidFill>
-                      <a:prstDash val="solid"/>
-                      <a:round/>
-                      <a:headEnd type="none" w="med" len="med"/>
-                      <a:tailEnd type="none" w="med" len="med"/>
-                    </a:lnT>
-                    <a:lnB w="12700" cap="flat" cmpd="sng" algn="ctr">
-                      <a:solidFill>
-                        <a:srgbClr val="98989C"/>
-                      </a:solidFill>
-                      <a:prstDash val="solid"/>
-                      <a:round/>
-                      <a:headEnd type="none" w="med" len="med"/>
-                      <a:tailEnd type="none" w="med" len="med"/>
-                    </a:lnB>
-                    <a:lnTlToBr w="12700" cmpd="sng">
-                      <a:noFill/>
-                      <a:prstDash val="solid"/>
-                    </a:lnTlToBr>
-                    <a:lnBlToTr w="12700" cmpd="sng">
-                      <a:noFill/>
-                      <a:prstDash val="solid"/>
-                    </a:lnBlToTr>
-                    <a:noFill/>
-                  </a:tcPr>
-                </a:tc>
-                <a:tc>
-                  <a:txBody>
-                    <a:bodyPr/>
-                    <a:lstStyle/>
-                    <a:p>
-                      <a:r>
-                        <a:rPr lang="en-US" sz="1100" dirty="0" err="1" smtClean="0">
-                          <a:solidFill>
-                            <a:srgbClr val="00295B"/>
-                          </a:solidFill>
-                        </a:rPr>
-                        <a:t>Currholdings</a:t>
-                      </a:r>
-                      <a:endParaRPr lang="en-US" sz="1100" dirty="0">
-                        <a:solidFill>
-                          <a:srgbClr val="00295B"/>
-                        </a:solidFill>
-                      </a:endParaRPr>
-                    </a:p>
-                  </a:txBody>
-                  <a:tcPr marL="63238" marR="63238" marT="60896" marB="60896">
-                    <a:lnL w="12700" cap="flat" cmpd="sng" algn="ctr">
-                      <a:solidFill>
-                        <a:srgbClr val="98989C"/>
-                      </a:solidFill>
-                      <a:prstDash val="solid"/>
-                      <a:round/>
-                      <a:headEnd type="none" w="med" len="med"/>
-                      <a:tailEnd type="none" w="med" len="med"/>
-                    </a:lnL>
-                    <a:lnR w="12700" cap="flat" cmpd="sng" algn="ctr">
-                      <a:solidFill>
-                        <a:srgbClr val="98989C"/>
-                      </a:solidFill>
-                      <a:prstDash val="solid"/>
-                      <a:round/>
-                      <a:headEnd type="none" w="med" len="med"/>
-                      <a:tailEnd type="none" w="med" len="med"/>
-                    </a:lnR>
-                    <a:lnT w="12700" cap="flat" cmpd="sng" algn="ctr">
-                      <a:solidFill>
-                        <a:srgbClr val="98989C"/>
-                      </a:solidFill>
-                      <a:prstDash val="solid"/>
-                      <a:round/>
-                      <a:headEnd type="none" w="med" len="med"/>
-                      <a:tailEnd type="none" w="med" len="med"/>
-                    </a:lnT>
-                    <a:lnB w="12700" cap="flat" cmpd="sng" algn="ctr">
-                      <a:solidFill>
-                        <a:srgbClr val="98989C"/>
-                      </a:solidFill>
-                      <a:prstDash val="solid"/>
-                      <a:round/>
-                      <a:headEnd type="none" w="med" len="med"/>
-                      <a:tailEnd type="none" w="med" len="med"/>
-                    </a:lnB>
-                    <a:lnTlToBr w="12700" cmpd="sng">
-                      <a:noFill/>
-                      <a:prstDash val="solid"/>
-                    </a:lnTlToBr>
-                    <a:lnBlToTr w="12700" cmpd="sng">
-                      <a:noFill/>
-                      <a:prstDash val="solid"/>
-                    </a:lnBlToTr>
-                    <a:noFill/>
-                  </a:tcPr>
-                </a:tc>
-              </a:tr>
-              <a:tr h="335672">
-                <a:tc>
-                  <a:txBody>
-                    <a:bodyPr/>
-                    <a:lstStyle/>
-                    <a:p>
-                      <a:pPr algn="l"/>
-                      <a:r>
-                        <a:rPr lang="en-US" sz="1100" b="1" dirty="0" smtClean="0">
-                          <a:solidFill>
-                            <a:srgbClr val="00295B"/>
-                          </a:solidFill>
-                        </a:rPr>
-                        <a:t>Market Cap: </a:t>
-                      </a:r>
-                      <a:endParaRPr lang="en-US" sz="1100" b="1" dirty="0">
-                        <a:solidFill>
-                          <a:srgbClr val="00295B"/>
-                        </a:solidFill>
-                      </a:endParaRPr>
-                    </a:p>
-                  </a:txBody>
-                  <a:tcPr marL="63238" marR="63238" marT="60896" marB="60896">
-                    <a:lnL w="12700" cap="flat" cmpd="sng" algn="ctr">
-                      <a:solidFill>
-                        <a:srgbClr val="98989C"/>
-                      </a:solidFill>
-                      <a:prstDash val="solid"/>
-                      <a:round/>
-                      <a:headEnd type="none" w="med" len="med"/>
-                      <a:tailEnd type="none" w="med" len="med"/>
-                    </a:lnL>
-                    <a:lnR w="12700" cap="flat" cmpd="sng" algn="ctr">
-                      <a:solidFill>
-                        <a:srgbClr val="98989C"/>
-                      </a:solidFill>
-                      <a:prstDash val="solid"/>
-                      <a:round/>
-                      <a:headEnd type="none" w="med" len="med"/>
-                      <a:tailEnd type="none" w="med" len="med"/>
-                    </a:lnR>
-                    <a:lnT w="12700" cap="flat" cmpd="sng" algn="ctr">
-                      <a:solidFill>
-                        <a:srgbClr val="98989C"/>
-                      </a:solidFill>
-                      <a:prstDash val="solid"/>
-                      <a:round/>
-                      <a:headEnd type="none" w="med" len="med"/>
-                      <a:tailEnd type="none" w="med" len="med"/>
-                    </a:lnT>
-                    <a:lnB w="12700" cap="flat" cmpd="sng" algn="ctr">
-                      <a:solidFill>
-                        <a:srgbClr val="98989C"/>
-                      </a:solidFill>
-                      <a:prstDash val="solid"/>
-                      <a:round/>
-                      <a:headEnd type="none" w="med" len="med"/>
-                      <a:tailEnd type="none" w="med" len="med"/>
-                    </a:lnB>
-                    <a:lnTlToBr w="12700" cmpd="sng">
-                      <a:noFill/>
-                      <a:prstDash val="solid"/>
-                    </a:lnTlToBr>
-                    <a:lnBlToTr w="12700" cmpd="sng">
-                      <a:noFill/>
-                      <a:prstDash val="solid"/>
-                    </a:lnBlToTr>
-                    <a:noFill/>
-                  </a:tcPr>
-                </a:tc>
-                <a:tc>
-                  <a:txBody>
-                    <a:bodyPr/>
-                    <a:lstStyle/>
-                    <a:p>
-                      <a:r>
-                        <a:rPr lang="en-US" sz="1100" dirty="0" err="1" smtClean="0">
-                          <a:solidFill>
-                            <a:srgbClr val="00295B"/>
-                          </a:solidFill>
-                        </a:rPr>
-                        <a:t>Mktcap</a:t>
-                      </a:r>
-                      <a:endParaRPr lang="en-US" sz="1100" dirty="0">
-                        <a:solidFill>
-                          <a:srgbClr val="00295B"/>
-                        </a:solidFill>
-                      </a:endParaRPr>
-                    </a:p>
-                  </a:txBody>
-                  <a:tcPr marL="63238" marR="63238" marT="60896" marB="60896">
-                    <a:lnL w="12700" cap="flat" cmpd="sng" algn="ctr">
-                      <a:solidFill>
-                        <a:srgbClr val="98989C"/>
-                      </a:solidFill>
-                      <a:prstDash val="solid"/>
-                      <a:round/>
-                      <a:headEnd type="none" w="med" len="med"/>
-                      <a:tailEnd type="none" w="med" len="med"/>
-                    </a:lnL>
-                    <a:lnR w="12700" cap="flat" cmpd="sng" algn="ctr">
-                      <a:solidFill>
-                        <a:srgbClr val="98989C"/>
-                      </a:solidFill>
-                      <a:prstDash val="solid"/>
-                      <a:round/>
-                      <a:headEnd type="none" w="med" len="med"/>
-                      <a:tailEnd type="none" w="med" len="med"/>
-                    </a:lnR>
-                    <a:lnT w="12700" cap="flat" cmpd="sng" algn="ctr">
-                      <a:solidFill>
-                        <a:srgbClr val="98989C"/>
-                      </a:solidFill>
-                      <a:prstDash val="solid"/>
-                      <a:round/>
-                      <a:headEnd type="none" w="med" len="med"/>
-                      <a:tailEnd type="none" w="med" len="med"/>
-                    </a:lnT>
-                    <a:lnB w="12700" cap="flat" cmpd="sng" algn="ctr">
-                      <a:solidFill>
-                        <a:srgbClr val="98989C"/>
-                      </a:solidFill>
-                      <a:prstDash val="solid"/>
-                      <a:round/>
-                      <a:headEnd type="none" w="med" len="med"/>
-                      <a:tailEnd type="none" w="med" len="med"/>
-                    </a:lnB>
-                    <a:lnTlToBr w="12700" cmpd="sng">
-                      <a:noFill/>
-                      <a:prstDash val="solid"/>
-                    </a:lnTlToBr>
-                    <a:lnBlToTr w="12700" cmpd="sng">
-                      <a:noFill/>
-                      <a:prstDash val="solid"/>
-                    </a:lnBlToTr>
-                    <a:noFill/>
-                  </a:tcPr>
-                </a:tc>
-                <a:tc>
-                  <a:txBody>
-                    <a:bodyPr/>
-                    <a:lstStyle/>
-                    <a:p>
-                      <a:r>
-                        <a:rPr lang="en-US" sz="1100" b="1" dirty="0" smtClean="0">
-                          <a:solidFill>
-                            <a:srgbClr val="00295B"/>
-                          </a:solidFill>
-                        </a:rPr>
-                        <a:t>% of NAV: </a:t>
-                      </a:r>
-                      <a:endParaRPr lang="en-US" sz="1100" b="1" dirty="0">
-                        <a:solidFill>
-                          <a:srgbClr val="00295B"/>
-                        </a:solidFill>
-                      </a:endParaRPr>
-                    </a:p>
-                  </a:txBody>
-                  <a:tcPr marL="63238" marR="63238" marT="60896" marB="60896">
-                    <a:lnL w="12700" cap="flat" cmpd="sng" algn="ctr">
-                      <a:solidFill>
-                        <a:srgbClr val="98989C"/>
-                      </a:solidFill>
-                      <a:prstDash val="solid"/>
-                      <a:round/>
-                      <a:headEnd type="none" w="med" len="med"/>
-                      <a:tailEnd type="none" w="med" len="med"/>
-                    </a:lnL>
-                    <a:lnR w="12700" cap="flat" cmpd="sng" algn="ctr">
-                      <a:solidFill>
-                        <a:srgbClr val="98989C"/>
-                      </a:solidFill>
-                      <a:prstDash val="solid"/>
-                      <a:round/>
-                      <a:headEnd type="none" w="med" len="med"/>
-                      <a:tailEnd type="none" w="med" len="med"/>
-                    </a:lnR>
-                    <a:lnT w="12700" cap="flat" cmpd="sng" algn="ctr">
-                      <a:solidFill>
-                        <a:srgbClr val="98989C"/>
-                      </a:solidFill>
-                      <a:prstDash val="solid"/>
-                      <a:round/>
-                      <a:headEnd type="none" w="med" len="med"/>
-                      <a:tailEnd type="none" w="med" len="med"/>
-                    </a:lnT>
-                    <a:lnB w="12700" cap="flat" cmpd="sng" algn="ctr">
-                      <a:solidFill>
-                        <a:srgbClr val="98989C"/>
-                      </a:solidFill>
-                      <a:prstDash val="solid"/>
-                      <a:round/>
-                      <a:headEnd type="none" w="med" len="med"/>
-                      <a:tailEnd type="none" w="med" len="med"/>
-                    </a:lnB>
-                    <a:lnTlToBr w="12700" cmpd="sng">
-                      <a:noFill/>
-                      <a:prstDash val="solid"/>
-                    </a:lnTlToBr>
-                    <a:lnBlToTr w="12700" cmpd="sng">
-                      <a:noFill/>
-                      <a:prstDash val="solid"/>
-                    </a:lnBlToTr>
-                    <a:noFill/>
-                  </a:tcPr>
-                </a:tc>
-                <a:tc>
-                  <a:txBody>
-                    <a:bodyPr/>
-                    <a:lstStyle/>
-                    <a:p>
-                      <a:r>
-                        <a:rPr lang="en-US" sz="1100" dirty="0" err="1" smtClean="0">
-                          <a:solidFill>
-                            <a:srgbClr val="00295B"/>
-                          </a:solidFill>
-                        </a:rPr>
-                        <a:t>Nav</a:t>
-                      </a:r>
-                      <a:endParaRPr lang="en-US" sz="1100" dirty="0">
-                        <a:solidFill>
-                          <a:srgbClr val="00295B"/>
-                        </a:solidFill>
-                      </a:endParaRPr>
-                    </a:p>
-                  </a:txBody>
-                  <a:tcPr marL="63238" marR="63238" marT="60896" marB="60896">
-                    <a:lnL w="12700" cap="flat" cmpd="sng" algn="ctr">
-                      <a:solidFill>
-                        <a:srgbClr val="98989C"/>
-                      </a:solidFill>
-                      <a:prstDash val="solid"/>
-                      <a:round/>
-                      <a:headEnd type="none" w="med" len="med"/>
-                      <a:tailEnd type="none" w="med" len="med"/>
-                    </a:lnL>
-                    <a:lnR w="12700" cap="flat" cmpd="sng" algn="ctr">
-                      <a:solidFill>
-                        <a:srgbClr val="98989C"/>
-                      </a:solidFill>
-                      <a:prstDash val="solid"/>
-                      <a:round/>
-                      <a:headEnd type="none" w="med" len="med"/>
-                      <a:tailEnd type="none" w="med" len="med"/>
-                    </a:lnR>
-                    <a:lnT w="12700" cap="flat" cmpd="sng" algn="ctr">
-                      <a:solidFill>
-                        <a:srgbClr val="98989C"/>
-                      </a:solidFill>
-                      <a:prstDash val="solid"/>
-                      <a:round/>
-                      <a:headEnd type="none" w="med" len="med"/>
-                      <a:tailEnd type="none" w="med" len="med"/>
-                    </a:lnT>
-                    <a:lnB w="12700" cap="flat" cmpd="sng" algn="ctr">
-                      <a:solidFill>
-                        <a:srgbClr val="98989C"/>
-                      </a:solidFill>
-                      <a:prstDash val="solid"/>
-                      <a:round/>
-                      <a:headEnd type="none" w="med" len="med"/>
-                      <a:tailEnd type="none" w="med" len="med"/>
-                    </a:lnB>
-                    <a:lnTlToBr w="12700" cmpd="sng">
-                      <a:noFill/>
-                      <a:prstDash val="solid"/>
-                    </a:lnTlToBr>
-                    <a:lnBlToTr w="12700" cmpd="sng">
-                      <a:noFill/>
-                      <a:prstDash val="solid"/>
-                    </a:lnBlToTr>
-                    <a:noFill/>
-                  </a:tcPr>
-                </a:tc>
-              </a:tr>
-              <a:tr h="335672">
-                <a:tc>
-                  <a:txBody>
-                    <a:bodyPr/>
-                    <a:lstStyle/>
-                    <a:p>
-                      <a:pPr algn="l"/>
-                      <a:r>
-                        <a:rPr lang="en-US" sz="1100" b="1" dirty="0" smtClean="0">
-                          <a:solidFill>
-                            <a:srgbClr val="00295B"/>
-                          </a:solidFill>
-                        </a:rPr>
-                        <a:t>Current price:</a:t>
-                      </a:r>
-                      <a:r>
-                        <a:rPr lang="en-US" sz="1100" b="1" baseline="0" dirty="0" smtClean="0">
-                          <a:solidFill>
-                            <a:srgbClr val="00295B"/>
-                          </a:solidFill>
-                        </a:rPr>
-                        <a:t> </a:t>
-                      </a:r>
-                      <a:endParaRPr lang="en-US" sz="1100" b="1" dirty="0">
-                        <a:solidFill>
-                          <a:srgbClr val="00295B"/>
-                        </a:solidFill>
-                      </a:endParaRPr>
-                    </a:p>
-                  </a:txBody>
-                  <a:tcPr marL="63238" marR="63238" marT="60896" marB="60896">
-                    <a:lnL w="12700" cap="flat" cmpd="sng" algn="ctr">
-                      <a:solidFill>
-                        <a:srgbClr val="98989C"/>
-                      </a:solidFill>
-                      <a:prstDash val="solid"/>
-                      <a:round/>
-                      <a:headEnd type="none" w="med" len="med"/>
-                      <a:tailEnd type="none" w="med" len="med"/>
-                    </a:lnL>
-                    <a:lnR w="12700" cap="flat" cmpd="sng" algn="ctr">
-                      <a:solidFill>
-                        <a:srgbClr val="98989C"/>
-                      </a:solidFill>
-                      <a:prstDash val="solid"/>
-                      <a:round/>
-                      <a:headEnd type="none" w="med" len="med"/>
-                      <a:tailEnd type="none" w="med" len="med"/>
-                    </a:lnR>
-                    <a:lnT w="12700" cap="flat" cmpd="sng" algn="ctr">
-                      <a:solidFill>
-                        <a:srgbClr val="98989C"/>
-                      </a:solidFill>
-                      <a:prstDash val="solid"/>
-                      <a:round/>
-                      <a:headEnd type="none" w="med" len="med"/>
-                      <a:tailEnd type="none" w="med" len="med"/>
-                    </a:lnT>
-                    <a:lnB w="12700" cap="flat" cmpd="sng" algn="ctr">
-                      <a:solidFill>
-                        <a:srgbClr val="98989C"/>
-                      </a:solidFill>
-                      <a:prstDash val="solid"/>
-                      <a:round/>
-                      <a:headEnd type="none" w="med" len="med"/>
-                      <a:tailEnd type="none" w="med" len="med"/>
-                    </a:lnB>
-                    <a:lnTlToBr w="12700" cmpd="sng">
-                      <a:noFill/>
-                      <a:prstDash val="solid"/>
-                    </a:lnTlToBr>
-                    <a:lnBlToTr w="12700" cmpd="sng">
-                      <a:noFill/>
-                      <a:prstDash val="solid"/>
-                    </a:lnBlToTr>
-                    <a:noFill/>
-                  </a:tcPr>
-                </a:tc>
-                <a:tc>
-                  <a:txBody>
-                    <a:bodyPr/>
-                    <a:lstStyle/>
-                    <a:p>
-                      <a:r>
-                        <a:rPr lang="en-US" sz="1100" dirty="0" smtClean="0">
-                          <a:solidFill>
-                            <a:srgbClr val="00295B"/>
-                          </a:solidFill>
-                        </a:rPr>
-                        <a:t>Price</a:t>
-                      </a:r>
-                      <a:endParaRPr lang="en-US" sz="1100" dirty="0">
-                        <a:solidFill>
-                          <a:srgbClr val="00295B"/>
-                        </a:solidFill>
-                      </a:endParaRPr>
-                    </a:p>
-                  </a:txBody>
-                  <a:tcPr marL="63238" marR="63238" marT="60896" marB="60896">
-                    <a:lnL w="12700" cap="flat" cmpd="sng" algn="ctr">
-                      <a:solidFill>
-                        <a:srgbClr val="98989C"/>
-                      </a:solidFill>
-                      <a:prstDash val="solid"/>
-                      <a:round/>
-                      <a:headEnd type="none" w="med" len="med"/>
-                      <a:tailEnd type="none" w="med" len="med"/>
-                    </a:lnL>
-                    <a:lnR w="12700" cap="flat" cmpd="sng" algn="ctr">
-                      <a:solidFill>
-                        <a:srgbClr val="98989C"/>
-                      </a:solidFill>
-                      <a:prstDash val="solid"/>
-                      <a:round/>
-                      <a:headEnd type="none" w="med" len="med"/>
-                      <a:tailEnd type="none" w="med" len="med"/>
-                    </a:lnR>
-                    <a:lnT w="12700" cap="flat" cmpd="sng" algn="ctr">
-                      <a:solidFill>
-                        <a:srgbClr val="98989C"/>
-                      </a:solidFill>
-                      <a:prstDash val="solid"/>
-                      <a:round/>
-                      <a:headEnd type="none" w="med" len="med"/>
-                      <a:tailEnd type="none" w="med" len="med"/>
-                    </a:lnT>
-                    <a:lnB w="12700" cap="flat" cmpd="sng" algn="ctr">
-                      <a:solidFill>
-                        <a:srgbClr val="98989C"/>
-                      </a:solidFill>
-                      <a:prstDash val="solid"/>
-                      <a:round/>
-                      <a:headEnd type="none" w="med" len="med"/>
-                      <a:tailEnd type="none" w="med" len="med"/>
-                    </a:lnB>
-                    <a:lnTlToBr w="12700" cmpd="sng">
-                      <a:noFill/>
-                      <a:prstDash val="solid"/>
-                    </a:lnTlToBr>
-                    <a:lnBlToTr w="12700" cmpd="sng">
-                      <a:noFill/>
-                      <a:prstDash val="solid"/>
-                    </a:lnBlToTr>
-                    <a:noFill/>
-                  </a:tcPr>
-                </a:tc>
-                <a:tc>
-                  <a:txBody>
-                    <a:bodyPr/>
-                    <a:lstStyle/>
-                    <a:p>
-                      <a:r>
-                        <a:rPr lang="en-US" sz="1100" b="1" dirty="0" smtClean="0">
-                          <a:solidFill>
-                            <a:srgbClr val="00295B"/>
-                          </a:solidFill>
-                        </a:rPr>
                         <a:t>BM Weight: </a:t>
                       </a:r>
                       <a:endParaRPr lang="en-US" sz="1100" b="1" dirty="0">
@@ -11576,7 +11287,7 @@
                   </a:tcPr>
                 </a:tc>
               </a:tr>
-              <a:tr h="335672">
+              <a:tr h="325577">
                 <a:tc>
                   <a:txBody>
                     <a:bodyPr/>
@@ -11589,7 +11300,7 @@
                             <a:srgbClr val="00295B"/>
                           </a:solidFill>
                         </a:rPr>
-                        <a:t>FV Calculation: </a:t>
+                        <a:t>Market Cap: </a:t>
                       </a:r>
                       <a:endParaRPr lang="en-US" sz="1100" b="1" dirty="0">
                         <a:solidFill>
@@ -11657,7 +11368,7 @@
                             <a:srgbClr val="00295B"/>
                           </a:solidFill>
                         </a:rPr>
-                        <a:t>Fvcalc</a:t>
+                        <a:t>Mktcap</a:t>
                       </a:r>
                       <a:endParaRPr lang="en-US" sz="1100" dirty="0">
                         <a:solidFill>
@@ -11796,7 +11507,7 @@
                     <a:lstStyle/>
                     <a:p>
                       <a:r>
-                        <a:rPr lang="en-US" sz="1100" smtClean="0">
+                        <a:rPr lang="en-US" sz="1100" dirty="0" err="1" smtClean="0">
                           <a:solidFill>
                             <a:srgbClr val="00295B"/>
                           </a:solidFill>
@@ -11859,7 +11570,608 @@
                   </a:tcPr>
                 </a:tc>
               </a:tr>
-              <a:tr h="335672">
+              <a:tr h="325577">
+                <a:tc>
+                  <a:txBody>
+                    <a:bodyPr/>
+                    <a:lstStyle/>
+                    <a:p>
+                      <a:pPr algn="l"/>
+                      <a:r>
+                        <a:rPr lang="en-US" sz="1100" b="1" dirty="0" smtClean="0">
+                          <a:solidFill>
+                            <a:srgbClr val="00295B"/>
+                          </a:solidFill>
+                        </a:rPr>
+                        <a:t>Current price:</a:t>
+                      </a:r>
+                      <a:r>
+                        <a:rPr lang="en-US" sz="1100" b="1" baseline="0" dirty="0" smtClean="0">
+                          <a:solidFill>
+                            <a:srgbClr val="00295B"/>
+                          </a:solidFill>
+                        </a:rPr>
+                        <a:t> </a:t>
+                      </a:r>
+                      <a:endParaRPr lang="en-US" sz="1100" b="1" dirty="0">
+                        <a:solidFill>
+                          <a:srgbClr val="00295B"/>
+                        </a:solidFill>
+                      </a:endParaRPr>
+                    </a:p>
+                  </a:txBody>
+                  <a:tcPr marL="63238" marR="63238" marT="60896" marB="60896">
+                    <a:lnL w="12700" cap="flat" cmpd="sng" algn="ctr">
+                      <a:solidFill>
+                        <a:srgbClr val="98989C"/>
+                      </a:solidFill>
+                      <a:prstDash val="solid"/>
+                      <a:round/>
+                      <a:headEnd type="none" w="med" len="med"/>
+                      <a:tailEnd type="none" w="med" len="med"/>
+                    </a:lnL>
+                    <a:lnR w="12700" cap="flat" cmpd="sng" algn="ctr">
+                      <a:solidFill>
+                        <a:srgbClr val="98989C"/>
+                      </a:solidFill>
+                      <a:prstDash val="solid"/>
+                      <a:round/>
+                      <a:headEnd type="none" w="med" len="med"/>
+                      <a:tailEnd type="none" w="med" len="med"/>
+                    </a:lnR>
+                    <a:lnT w="12700" cap="flat" cmpd="sng" algn="ctr">
+                      <a:solidFill>
+                        <a:srgbClr val="98989C"/>
+                      </a:solidFill>
+                      <a:prstDash val="solid"/>
+                      <a:round/>
+                      <a:headEnd type="none" w="med" len="med"/>
+                      <a:tailEnd type="none" w="med" len="med"/>
+                    </a:lnT>
+                    <a:lnB w="12700" cap="flat" cmpd="sng" algn="ctr">
+                      <a:solidFill>
+                        <a:srgbClr val="98989C"/>
+                      </a:solidFill>
+                      <a:prstDash val="solid"/>
+                      <a:round/>
+                      <a:headEnd type="none" w="med" len="med"/>
+                      <a:tailEnd type="none" w="med" len="med"/>
+                    </a:lnB>
+                    <a:lnTlToBr w="12700" cmpd="sng">
+                      <a:noFill/>
+                      <a:prstDash val="solid"/>
+                    </a:lnTlToBr>
+                    <a:lnBlToTr w="12700" cmpd="sng">
+                      <a:noFill/>
+                      <a:prstDash val="solid"/>
+                    </a:lnBlToTr>
+                    <a:noFill/>
+                  </a:tcPr>
+                </a:tc>
+                <a:tc>
+                  <a:txBody>
+                    <a:bodyPr/>
+                    <a:lstStyle/>
+                    <a:p>
+                      <a:r>
+                        <a:rPr lang="en-US" sz="1100" dirty="0" smtClean="0">
+                          <a:solidFill>
+                            <a:srgbClr val="00295B"/>
+                          </a:solidFill>
+                        </a:rPr>
+                        <a:t>Price</a:t>
+                      </a:r>
+                      <a:endParaRPr lang="en-US" sz="1100" dirty="0">
+                        <a:solidFill>
+                          <a:srgbClr val="00295B"/>
+                        </a:solidFill>
+                      </a:endParaRPr>
+                    </a:p>
+                  </a:txBody>
+                  <a:tcPr marL="63238" marR="63238" marT="60896" marB="60896">
+                    <a:lnL w="12700" cap="flat" cmpd="sng" algn="ctr">
+                      <a:solidFill>
+                        <a:srgbClr val="98989C"/>
+                      </a:solidFill>
+                      <a:prstDash val="solid"/>
+                      <a:round/>
+                      <a:headEnd type="none" w="med" len="med"/>
+                      <a:tailEnd type="none" w="med" len="med"/>
+                    </a:lnL>
+                    <a:lnR w="12700" cap="flat" cmpd="sng" algn="ctr">
+                      <a:solidFill>
+                        <a:srgbClr val="98989C"/>
+                      </a:solidFill>
+                      <a:prstDash val="solid"/>
+                      <a:round/>
+                      <a:headEnd type="none" w="med" len="med"/>
+                      <a:tailEnd type="none" w="med" len="med"/>
+                    </a:lnR>
+                    <a:lnT w="12700" cap="flat" cmpd="sng" algn="ctr">
+                      <a:solidFill>
+                        <a:srgbClr val="98989C"/>
+                      </a:solidFill>
+                      <a:prstDash val="solid"/>
+                      <a:round/>
+                      <a:headEnd type="none" w="med" len="med"/>
+                      <a:tailEnd type="none" w="med" len="med"/>
+                    </a:lnT>
+                    <a:lnB w="12700" cap="flat" cmpd="sng" algn="ctr">
+                      <a:solidFill>
+                        <a:srgbClr val="98989C"/>
+                      </a:solidFill>
+                      <a:prstDash val="solid"/>
+                      <a:round/>
+                      <a:headEnd type="none" w="med" len="med"/>
+                      <a:tailEnd type="none" w="med" len="med"/>
+                    </a:lnB>
+                    <a:lnTlToBr w="12700" cmpd="sng">
+                      <a:noFill/>
+                      <a:prstDash val="solid"/>
+                    </a:lnTlToBr>
+                    <a:lnBlToTr w="12700" cmpd="sng">
+                      <a:noFill/>
+                      <a:prstDash val="solid"/>
+                    </a:lnBlToTr>
+                    <a:noFill/>
+                  </a:tcPr>
+                </a:tc>
+                <a:tc>
+                  <a:txBody>
+                    <a:bodyPr/>
+                    <a:lstStyle/>
+                    <a:p>
+                      <a:r>
+                        <a:rPr lang="en-US" sz="1100" b="1" dirty="0" smtClean="0">
+                          <a:solidFill>
+                            <a:srgbClr val="00295B"/>
+                          </a:solidFill>
+                        </a:rPr>
+                        <a:t>12m</a:t>
+                      </a:r>
+                      <a:r>
+                        <a:rPr lang="en-US" sz="1100" b="1" baseline="0" dirty="0" smtClean="0">
+                          <a:solidFill>
+                            <a:srgbClr val="00295B"/>
+                          </a:solidFill>
+                        </a:rPr>
+                        <a:t> Return – Absolute</a:t>
+                      </a:r>
+                      <a:r>
+                        <a:rPr lang="en-US" sz="1100" b="1" dirty="0" smtClean="0">
+                          <a:solidFill>
+                            <a:srgbClr val="00295B"/>
+                          </a:solidFill>
+                        </a:rPr>
+                        <a:t>: </a:t>
+                      </a:r>
+                      <a:endParaRPr lang="en-US" sz="1100" b="1" dirty="0">
+                        <a:solidFill>
+                          <a:srgbClr val="00295B"/>
+                        </a:solidFill>
+                      </a:endParaRPr>
+                    </a:p>
+                  </a:txBody>
+                  <a:tcPr marL="63238" marR="63238" marT="60896" marB="60896">
+                    <a:lnL w="12700" cap="flat" cmpd="sng" algn="ctr">
+                      <a:solidFill>
+                        <a:srgbClr val="98989C"/>
+                      </a:solidFill>
+                      <a:prstDash val="solid"/>
+                      <a:round/>
+                      <a:headEnd type="none" w="med" len="med"/>
+                      <a:tailEnd type="none" w="med" len="med"/>
+                    </a:lnL>
+                    <a:lnR w="12700" cap="flat" cmpd="sng" algn="ctr">
+                      <a:solidFill>
+                        <a:srgbClr val="98989C"/>
+                      </a:solidFill>
+                      <a:prstDash val="solid"/>
+                      <a:round/>
+                      <a:headEnd type="none" w="med" len="med"/>
+                      <a:tailEnd type="none" w="med" len="med"/>
+                    </a:lnR>
+                    <a:lnT w="12700" cap="flat" cmpd="sng" algn="ctr">
+                      <a:solidFill>
+                        <a:srgbClr val="98989C"/>
+                      </a:solidFill>
+                      <a:prstDash val="solid"/>
+                      <a:round/>
+                      <a:headEnd type="none" w="med" len="med"/>
+                      <a:tailEnd type="none" w="med" len="med"/>
+                    </a:lnT>
+                    <a:lnB w="12700" cap="flat" cmpd="sng" algn="ctr">
+                      <a:solidFill>
+                        <a:srgbClr val="98989C"/>
+                      </a:solidFill>
+                      <a:prstDash val="solid"/>
+                      <a:round/>
+                      <a:headEnd type="none" w="med" len="med"/>
+                      <a:tailEnd type="none" w="med" len="med"/>
+                    </a:lnB>
+                    <a:lnTlToBr w="12700" cmpd="sng">
+                      <a:noFill/>
+                      <a:prstDash val="solid"/>
+                    </a:lnTlToBr>
+                    <a:lnBlToTr w="12700" cmpd="sng">
+                      <a:noFill/>
+                      <a:prstDash val="solid"/>
+                    </a:lnBlToTr>
+                    <a:noFill/>
+                  </a:tcPr>
+                </a:tc>
+                <a:tc>
+                  <a:txBody>
+                    <a:bodyPr/>
+                    <a:lstStyle/>
+                    <a:p>
+                      <a:r>
+                        <a:rPr lang="en-US" sz="1100" dirty="0" smtClean="0">
+                          <a:solidFill>
+                            <a:srgbClr val="00295B"/>
+                          </a:solidFill>
+                        </a:rPr>
+                        <a:t>12mreturnabs</a:t>
+                      </a:r>
+                      <a:endParaRPr lang="en-US" sz="1100" dirty="0">
+                        <a:solidFill>
+                          <a:srgbClr val="00295B"/>
+                        </a:solidFill>
+                      </a:endParaRPr>
+                    </a:p>
+                  </a:txBody>
+                  <a:tcPr marL="63238" marR="63238" marT="60896" marB="60896">
+                    <a:lnL w="12700" cap="flat" cmpd="sng" algn="ctr">
+                      <a:solidFill>
+                        <a:srgbClr val="98989C"/>
+                      </a:solidFill>
+                      <a:prstDash val="solid"/>
+                      <a:round/>
+                      <a:headEnd type="none" w="med" len="med"/>
+                      <a:tailEnd type="none" w="med" len="med"/>
+                    </a:lnL>
+                    <a:lnR w="12700" cap="flat" cmpd="sng" algn="ctr">
+                      <a:solidFill>
+                        <a:srgbClr val="98989C"/>
+                      </a:solidFill>
+                      <a:prstDash val="solid"/>
+                      <a:round/>
+                      <a:headEnd type="none" w="med" len="med"/>
+                      <a:tailEnd type="none" w="med" len="med"/>
+                    </a:lnR>
+                    <a:lnT w="12700" cap="flat" cmpd="sng" algn="ctr">
+                      <a:solidFill>
+                        <a:srgbClr val="98989C"/>
+                      </a:solidFill>
+                      <a:prstDash val="solid"/>
+                      <a:round/>
+                      <a:headEnd type="none" w="med" len="med"/>
+                      <a:tailEnd type="none" w="med" len="med"/>
+                    </a:lnT>
+                    <a:lnB w="12700" cap="flat" cmpd="sng" algn="ctr">
+                      <a:solidFill>
+                        <a:srgbClr val="98989C"/>
+                      </a:solidFill>
+                      <a:prstDash val="solid"/>
+                      <a:round/>
+                      <a:headEnd type="none" w="med" len="med"/>
+                      <a:tailEnd type="none" w="med" len="med"/>
+                    </a:lnB>
+                    <a:lnTlToBr w="12700" cmpd="sng">
+                      <a:noFill/>
+                      <a:prstDash val="solid"/>
+                    </a:lnTlToBr>
+                    <a:lnBlToTr w="12700" cmpd="sng">
+                      <a:noFill/>
+                      <a:prstDash val="solid"/>
+                    </a:lnBlToTr>
+                    <a:noFill/>
+                  </a:tcPr>
+                </a:tc>
+              </a:tr>
+              <a:tr h="325577">
+                <a:tc>
+                  <a:txBody>
+                    <a:bodyPr/>
+                    <a:lstStyle/>
+                    <a:p>
+                      <a:pPr algn="l"/>
+                      <a:r>
+                        <a:rPr lang="en-US" sz="1100" b="1" dirty="0" smtClean="0">
+                          <a:solidFill>
+                            <a:srgbClr val="00295B"/>
+                          </a:solidFill>
+                        </a:rPr>
+                        <a:t>FV Calculation: </a:t>
+                      </a:r>
+                      <a:endParaRPr lang="en-US" sz="1100" b="1" dirty="0">
+                        <a:solidFill>
+                          <a:srgbClr val="00295B"/>
+                        </a:solidFill>
+                      </a:endParaRPr>
+                    </a:p>
+                  </a:txBody>
+                  <a:tcPr marL="63238" marR="63238" marT="60896" marB="60896">
+                    <a:lnL w="12700" cap="flat" cmpd="sng" algn="ctr">
+                      <a:solidFill>
+                        <a:srgbClr val="98989C"/>
+                      </a:solidFill>
+                      <a:prstDash val="solid"/>
+                      <a:round/>
+                      <a:headEnd type="none" w="med" len="med"/>
+                      <a:tailEnd type="none" w="med" len="med"/>
+                    </a:lnL>
+                    <a:lnR w="12700" cap="flat" cmpd="sng" algn="ctr">
+                      <a:solidFill>
+                        <a:srgbClr val="98989C"/>
+                      </a:solidFill>
+                      <a:prstDash val="solid"/>
+                      <a:round/>
+                      <a:headEnd type="none" w="med" len="med"/>
+                      <a:tailEnd type="none" w="med" len="med"/>
+                    </a:lnR>
+                    <a:lnT w="12700" cap="flat" cmpd="sng" algn="ctr">
+                      <a:solidFill>
+                        <a:srgbClr val="98989C"/>
+                      </a:solidFill>
+                      <a:prstDash val="solid"/>
+                      <a:round/>
+                      <a:headEnd type="none" w="med" len="med"/>
+                      <a:tailEnd type="none" w="med" len="med"/>
+                    </a:lnT>
+                    <a:lnB w="12700" cap="flat" cmpd="sng" algn="ctr">
+                      <a:solidFill>
+                        <a:srgbClr val="98989C"/>
+                      </a:solidFill>
+                      <a:prstDash val="solid"/>
+                      <a:round/>
+                      <a:headEnd type="none" w="med" len="med"/>
+                      <a:tailEnd type="none" w="med" len="med"/>
+                    </a:lnB>
+                    <a:lnTlToBr w="12700" cmpd="sng">
+                      <a:noFill/>
+                      <a:prstDash val="solid"/>
+                    </a:lnTlToBr>
+                    <a:lnBlToTr w="12700" cmpd="sng">
+                      <a:noFill/>
+                      <a:prstDash val="solid"/>
+                    </a:lnBlToTr>
+                    <a:noFill/>
+                  </a:tcPr>
+                </a:tc>
+                <a:tc>
+                  <a:txBody>
+                    <a:bodyPr/>
+                    <a:lstStyle/>
+                    <a:p>
+                      <a:r>
+                        <a:rPr lang="en-US" sz="1100" dirty="0" err="1" smtClean="0">
+                          <a:solidFill>
+                            <a:srgbClr val="00295B"/>
+                          </a:solidFill>
+                        </a:rPr>
+                        <a:t>Fvcalc</a:t>
+                      </a:r>
+                      <a:endParaRPr lang="en-US" sz="1100" dirty="0">
+                        <a:solidFill>
+                          <a:srgbClr val="00295B"/>
+                        </a:solidFill>
+                      </a:endParaRPr>
+                    </a:p>
+                  </a:txBody>
+                  <a:tcPr marL="63238" marR="63238" marT="60896" marB="60896">
+                    <a:lnL w="12700" cap="flat" cmpd="sng" algn="ctr">
+                      <a:solidFill>
+                        <a:srgbClr val="98989C"/>
+                      </a:solidFill>
+                      <a:prstDash val="solid"/>
+                      <a:round/>
+                      <a:headEnd type="none" w="med" len="med"/>
+                      <a:tailEnd type="none" w="med" len="med"/>
+                    </a:lnL>
+                    <a:lnR w="12700" cap="flat" cmpd="sng" algn="ctr">
+                      <a:solidFill>
+                        <a:srgbClr val="98989C"/>
+                      </a:solidFill>
+                      <a:prstDash val="solid"/>
+                      <a:round/>
+                      <a:headEnd type="none" w="med" len="med"/>
+                      <a:tailEnd type="none" w="med" len="med"/>
+                    </a:lnR>
+                    <a:lnT w="12700" cap="flat" cmpd="sng" algn="ctr">
+                      <a:solidFill>
+                        <a:srgbClr val="98989C"/>
+                      </a:solidFill>
+                      <a:prstDash val="solid"/>
+                      <a:round/>
+                      <a:headEnd type="none" w="med" len="med"/>
+                      <a:tailEnd type="none" w="med" len="med"/>
+                    </a:lnT>
+                    <a:lnB w="12700" cap="flat" cmpd="sng" algn="ctr">
+                      <a:solidFill>
+                        <a:srgbClr val="98989C"/>
+                      </a:solidFill>
+                      <a:prstDash val="solid"/>
+                      <a:round/>
+                      <a:headEnd type="none" w="med" len="med"/>
+                      <a:tailEnd type="none" w="med" len="med"/>
+                    </a:lnB>
+                    <a:lnTlToBr w="12700" cmpd="sng">
+                      <a:noFill/>
+                      <a:prstDash val="solid"/>
+                    </a:lnTlToBr>
+                    <a:lnBlToTr w="12700" cmpd="sng">
+                      <a:noFill/>
+                      <a:prstDash val="solid"/>
+                    </a:lnBlToTr>
+                    <a:noFill/>
+                  </a:tcPr>
+                </a:tc>
+                <a:tc>
+                  <a:txBody>
+                    <a:bodyPr/>
+                    <a:lstStyle/>
+                    <a:p>
+                      <a:r>
+                        <a:rPr lang="en-US" sz="1100" b="1" dirty="0" smtClean="0">
+                          <a:solidFill>
+                            <a:srgbClr val="00295B"/>
+                          </a:solidFill>
+                        </a:rPr>
+                        <a:t>12m</a:t>
+                      </a:r>
+                      <a:r>
+                        <a:rPr lang="en-US" sz="1100" b="1" baseline="0" dirty="0" smtClean="0">
+                          <a:solidFill>
+                            <a:srgbClr val="00295B"/>
+                          </a:solidFill>
+                        </a:rPr>
+                        <a:t> Return – </a:t>
+                      </a:r>
+                      <a:r>
+                        <a:rPr lang="en-US" sz="1100" b="1" baseline="0" dirty="0" err="1" smtClean="0">
+                          <a:solidFill>
+                            <a:srgbClr val="00295B"/>
+                          </a:solidFill>
+                        </a:rPr>
+                        <a:t>Rel</a:t>
+                      </a:r>
+                      <a:r>
+                        <a:rPr lang="en-US" sz="1100" b="1" baseline="0" dirty="0" smtClean="0">
+                          <a:solidFill>
+                            <a:srgbClr val="00295B"/>
+                          </a:solidFill>
+                        </a:rPr>
+                        <a:t> to local</a:t>
+                      </a:r>
+                      <a:r>
+                        <a:rPr lang="en-US" sz="1100" b="1" dirty="0" smtClean="0">
+                          <a:solidFill>
+                            <a:srgbClr val="00295B"/>
+                          </a:solidFill>
+                        </a:rPr>
+                        <a:t>: </a:t>
+                      </a:r>
+                      <a:endParaRPr lang="en-US" sz="1100" b="1" dirty="0">
+                        <a:solidFill>
+                          <a:srgbClr val="00295B"/>
+                        </a:solidFill>
+                      </a:endParaRPr>
+                    </a:p>
+                  </a:txBody>
+                  <a:tcPr marL="63238" marR="63238" marT="60896" marB="60896">
+                    <a:lnL w="12700" cap="flat" cmpd="sng" algn="ctr">
+                      <a:solidFill>
+                        <a:srgbClr val="98989C"/>
+                      </a:solidFill>
+                      <a:prstDash val="solid"/>
+                      <a:round/>
+                      <a:headEnd type="none" w="med" len="med"/>
+                      <a:tailEnd type="none" w="med" len="med"/>
+                    </a:lnL>
+                    <a:lnR w="12700" cap="flat" cmpd="sng" algn="ctr">
+                      <a:solidFill>
+                        <a:srgbClr val="98989C"/>
+                      </a:solidFill>
+                      <a:prstDash val="solid"/>
+                      <a:round/>
+                      <a:headEnd type="none" w="med" len="med"/>
+                      <a:tailEnd type="none" w="med" len="med"/>
+                    </a:lnR>
+                    <a:lnT w="12700" cap="flat" cmpd="sng" algn="ctr">
+                      <a:solidFill>
+                        <a:srgbClr val="98989C"/>
+                      </a:solidFill>
+                      <a:prstDash val="solid"/>
+                      <a:round/>
+                      <a:headEnd type="none" w="med" len="med"/>
+                      <a:tailEnd type="none" w="med" len="med"/>
+                    </a:lnT>
+                    <a:lnB w="12700" cap="flat" cmpd="sng" algn="ctr">
+                      <a:solidFill>
+                        <a:srgbClr val="98989C"/>
+                      </a:solidFill>
+                      <a:prstDash val="solid"/>
+                      <a:round/>
+                      <a:headEnd type="none" w="med" len="med"/>
+                      <a:tailEnd type="none" w="med" len="med"/>
+                    </a:lnB>
+                    <a:lnTlToBr w="12700" cmpd="sng">
+                      <a:noFill/>
+                      <a:prstDash val="solid"/>
+                    </a:lnTlToBr>
+                    <a:lnBlToTr w="12700" cmpd="sng">
+                      <a:noFill/>
+                      <a:prstDash val="solid"/>
+                    </a:lnBlToTr>
+                    <a:noFill/>
+                  </a:tcPr>
+                </a:tc>
+                <a:tc>
+                  <a:txBody>
+                    <a:bodyPr/>
+                    <a:lstStyle/>
+                    <a:p>
+                      <a:r>
+                        <a:rPr lang="en-US" sz="1100" dirty="0" smtClean="0">
+                          <a:solidFill>
+                            <a:srgbClr val="00295B"/>
+                          </a:solidFill>
+                        </a:rPr>
+                        <a:t>12mretrellocal</a:t>
+                      </a:r>
+                    </a:p>
+                  </a:txBody>
+                  <a:tcPr marL="63238" marR="63238" marT="60896" marB="60896">
+                    <a:lnL w="12700" cap="flat" cmpd="sng" algn="ctr">
+                      <a:solidFill>
+                        <a:srgbClr val="98989C"/>
+                      </a:solidFill>
+                      <a:prstDash val="solid"/>
+                      <a:round/>
+                      <a:headEnd type="none" w="med" len="med"/>
+                      <a:tailEnd type="none" w="med" len="med"/>
+                    </a:lnL>
+                    <a:lnR w="12700" cap="flat" cmpd="sng" algn="ctr">
+                      <a:solidFill>
+                        <a:srgbClr val="98989C"/>
+                      </a:solidFill>
+                      <a:prstDash val="solid"/>
+                      <a:round/>
+                      <a:headEnd type="none" w="med" len="med"/>
+                      <a:tailEnd type="none" w="med" len="med"/>
+                    </a:lnR>
+                    <a:lnT w="12700" cap="flat" cmpd="sng" algn="ctr">
+                      <a:solidFill>
+                        <a:srgbClr val="98989C"/>
+                      </a:solidFill>
+                      <a:prstDash val="solid"/>
+                      <a:round/>
+                      <a:headEnd type="none" w="med" len="med"/>
+                      <a:tailEnd type="none" w="med" len="med"/>
+                    </a:lnT>
+                    <a:lnB w="12700" cap="flat" cmpd="sng" algn="ctr">
+                      <a:solidFill>
+                        <a:srgbClr val="98989C"/>
+                      </a:solidFill>
+                      <a:prstDash val="solid"/>
+                      <a:round/>
+                      <a:headEnd type="none" w="med" len="med"/>
+                      <a:tailEnd type="none" w="med" len="med"/>
+                    </a:lnB>
+                    <a:lnTlToBr w="12700" cmpd="sng">
+                      <a:noFill/>
+                      <a:prstDash val="solid"/>
+                    </a:lnTlToBr>
+                    <a:lnBlToTr w="12700" cmpd="sng">
+                      <a:noFill/>
+                      <a:prstDash val="solid"/>
+                    </a:lnBlToTr>
+                    <a:noFill/>
+                  </a:tcPr>
+                </a:tc>
+              </a:tr>
+              <a:tr h="325577">
                 <a:tc>
                   <a:txBody>
                     <a:bodyPr/>
@@ -12002,6 +12314,46 @@
                     <a:bodyPr/>
                     <a:lstStyle/>
                     <a:p>
+                      <a:r>
+                        <a:rPr lang="en-US" sz="1100" b="1" dirty="0" smtClean="0">
+                          <a:solidFill>
+                            <a:srgbClr val="00295B"/>
+                          </a:solidFill>
+                        </a:rPr>
+                        <a:t>12m</a:t>
+                      </a:r>
+                      <a:r>
+                        <a:rPr lang="en-US" sz="1100" b="1" baseline="0" dirty="0" smtClean="0">
+                          <a:solidFill>
+                            <a:srgbClr val="00295B"/>
+                          </a:solidFill>
+                        </a:rPr>
+                        <a:t> Return – </a:t>
+                      </a:r>
+                      <a:r>
+                        <a:rPr lang="en-US" sz="1100" b="1" baseline="0" dirty="0" err="1" smtClean="0">
+                          <a:solidFill>
+                            <a:srgbClr val="00295B"/>
+                          </a:solidFill>
+                        </a:rPr>
+                        <a:t>Rel</a:t>
+                      </a:r>
+                      <a:r>
+                        <a:rPr lang="en-US" sz="1100" b="1" baseline="0" dirty="0" smtClean="0">
+                          <a:solidFill>
+                            <a:srgbClr val="00295B"/>
+                          </a:solidFill>
+                        </a:rPr>
+                        <a:t> to EM:</a:t>
+                      </a:r>
+                      <a:r>
+                        <a:rPr lang="en-US" sz="1100" b="1" dirty="0" smtClean="0">
+                          <a:solidFill>
+                            <a:srgbClr val="00295B"/>
+                          </a:solidFill>
+                        </a:rPr>
+                        <a:t> </a:t>
+                      </a:r>
                       <a:endParaRPr lang="en-US" sz="1100" b="1" dirty="0">
                         <a:solidFill>
                           <a:srgbClr val="00295B"/>
@@ -12062,6 +12414,14 @@
                     <a:bodyPr/>
                     <a:lstStyle/>
                     <a:p>
+                      <a:r>
+                        <a:rPr lang="en-US" sz="1100" dirty="0" smtClean="0">
+                          <a:solidFill>
+                            <a:srgbClr val="00295B"/>
+                          </a:solidFill>
+                        </a:rPr>
+                        <a:t>12mretrelem</a:t>
+                      </a:r>
                       <a:endParaRPr lang="en-US" sz="1100" dirty="0">
                         <a:solidFill>
                           <a:srgbClr val="00295B"/>
@@ -12118,7 +12478,7 @@
                   </a:tcPr>
                 </a:tc>
               </a:tr>
-              <a:tr h="304899">
+              <a:tr h="295730">
                 <a:tc>
                   <a:txBody>
                     <a:bodyPr/>
@@ -12333,6 +12693,14 @@
                     <a:bodyPr/>
                     <a:lstStyle/>
                     <a:p>
+                      <a:r>
+                        <a:rPr lang="en-US" sz="1100" dirty="0" smtClean="0">
+                          <a:solidFill>
+                            <a:srgbClr val="00295B"/>
+                          </a:solidFill>
+                        </a:rPr>
+                        <a:t>empty</a:t>
+                      </a:r>
                       <a:endParaRPr lang="en-US" sz="1100" dirty="0">
                         <a:solidFill>
                           <a:srgbClr val="00295B"/>
@@ -12558,14 +12926,14 @@
           <p:nvPr>
             <p:extLst>
               <p:ext uri="{D42A27DB-BD31-4B8C-83A1-F6EECF244321}">
-                <p14:modId xmlns:p14="http://schemas.microsoft.com/office/powerpoint/2010/main" val="4143809078"/>
+                <p14:modId xmlns:p14="http://schemas.microsoft.com/office/powerpoint/2010/main" val="1500067074"/>
               </p:ext>
             </p:extLst>
           </p:nvPr>
         </p:nvGraphicFramePr>
         <p:xfrm>
-          <a:off x="411479" y="3220720"/>
-          <a:ext cx="5987123" cy="3830321"/>
+          <a:off x="411480" y="3484882"/>
+          <a:ext cx="5987122" cy="3756334"/>
         </p:xfrm>
         <a:graphic>
           <a:graphicData uri="http://schemas.openxmlformats.org/drawingml/2006/table">
@@ -12574,9 +12942,9 @@
                 <a:tableStyleId>{5C22544A-7EE6-4342-B048-85BDC9FD1C3A}</a:tableStyleId>
               </a:tblPr>
               <a:tblGrid>
-                <a:gridCol w="5987123"/>
+                <a:gridCol w="5987122"/>
               </a:tblGrid>
-              <a:tr h="350572">
+              <a:tr h="343800">
                 <a:tc>
                   <a:txBody>
                     <a:bodyPr/>
@@ -12648,7 +13016,7 @@
                   </a:tcPr>
                 </a:tc>
               </a:tr>
-              <a:tr h="1288675">
+              <a:tr h="1263783">
                 <a:tc>
                   <a:txBody>
                     <a:bodyPr/>
@@ -12769,7 +13137,7 @@
                   </a:tcPr>
                 </a:tc>
               </a:tr>
-              <a:tr h="350572">
+              <a:tr h="343800">
                 <a:tc>
                   <a:txBody>
                     <a:bodyPr/>
@@ -12817,7 +13185,7 @@
                   </a:tcPr>
                 </a:tc>
               </a:tr>
-              <a:tr h="350572">
+              <a:tr h="343800">
                 <a:tc>
                   <a:txBody>
                     <a:bodyPr/>
@@ -12873,7 +13241,7 @@
                   </a:tcPr>
                 </a:tc>
               </a:tr>
-              <a:tr h="1489930">
+              <a:tr h="1461151">
                 <a:tc>
                   <a:txBody>
                     <a:bodyPr/>
@@ -13135,7 +13503,7 @@
           <a:p>
             <a:fld id="{E1C1B178-CC15-49BC-9DD7-D11C28670564}" type="datetime1">
               <a:rPr lang="en-US" sz="800" smtClean="0"/>
-              <a:t>10/24/2014</a:t>
+              <a:t>10/29/2014</a:t>
             </a:fld>
             <a:endParaRPr lang="en-GB" sz="800" dirty="0"/>
           </a:p>
@@ -14199,7 +14567,7 @@
           <a:p>
             <a:fld id="{E1C1B178-CC15-49BC-9DD7-D11C28670564}" type="datetime1">
               <a:rPr lang="en-US" sz="800" smtClean="0"/>
-              <a:t>10/24/2014</a:t>
+              <a:t>10/29/2014</a:t>
             </a:fld>
             <a:endParaRPr lang="en-GB" sz="800" dirty="0"/>
           </a:p>
@@ -15510,7 +15878,7 @@
           <a:p>
             <a:fld id="{E1C1B178-CC15-49BC-9DD7-D11C28670564}" type="datetime1">
               <a:rPr lang="en-US" sz="800" smtClean="0"/>
-              <a:t>10/24/2014</a:t>
+              <a:t>10/29/2014</a:t>
             </a:fld>
             <a:endParaRPr lang="en-GB" sz="800" dirty="0"/>
           </a:p>

--- a/SourceCode/GreenField/GreenField.Web/Templates/Full IC Report template.pptx
+++ b/SourceCode/GreenField/GreenField.Web/Templates/Full IC Report template.pptx
@@ -320,7 +320,7 @@
             <a:fld id="{7BA49677-E515-4D80-9969-42B0962A10A0}" type="datetime1">
               <a:rPr lang="en-US"/>
               <a:pPr/>
-              <a:t>10/29/2014</a:t>
+              <a:t>11/14/2014</a:t>
             </a:fld>
             <a:endParaRPr lang="en-US"/>
           </a:p>
@@ -1544,7 +1544,7 @@
           <a:p>
             <a:fld id="{221F4587-3C4B-45A7-B26F-E61215212BD7}" type="datetime1">
               <a:rPr lang="en-US" smtClean="0"/>
-              <a:t>10/29/2014</a:t>
+              <a:t>11/14/2014</a:t>
             </a:fld>
             <a:endParaRPr lang="en-GB" dirty="0"/>
           </a:p>
@@ -1901,7 +1901,7 @@
           <a:p>
             <a:fld id="{5D4DDECE-779E-4403-BDF1-EC482D17F582}" type="datetime1">
               <a:rPr lang="en-US" smtClean="0"/>
-              <a:t>10/29/2014</a:t>
+              <a:t>11/14/2014</a:t>
             </a:fld>
             <a:endParaRPr lang="en-GB" dirty="0"/>
           </a:p>
@@ -2219,7 +2219,7 @@
           <a:p>
             <a:fld id="{DB5E7B97-3E05-4B55-BA90-6DF6A5CD8979}" type="datetime1">
               <a:rPr lang="en-US" smtClean="0"/>
-              <a:t>10/29/2014</a:t>
+              <a:t>11/14/2014</a:t>
             </a:fld>
             <a:endParaRPr lang="en-GB" dirty="0"/>
           </a:p>
@@ -2617,7 +2617,7 @@
           <a:p>
             <a:fld id="{4A55851F-C0CB-47F9-B3EA-A1782DCC4E66}" type="datetime1">
               <a:rPr lang="en-US" smtClean="0"/>
-              <a:t>10/29/2014</a:t>
+              <a:t>11/14/2014</a:t>
             </a:fld>
             <a:endParaRPr lang="en-GB" dirty="0"/>
           </a:p>
@@ -3015,7 +3015,7 @@
           <a:p>
             <a:fld id="{1462931B-2C99-41CD-8E87-9F5B01EB283C}" type="datetime1">
               <a:rPr lang="en-US" smtClean="0"/>
-              <a:t>10/29/2014</a:t>
+              <a:t>11/14/2014</a:t>
             </a:fld>
             <a:endParaRPr lang="en-GB" dirty="0"/>
           </a:p>
@@ -3339,7 +3339,7 @@
           <a:p>
             <a:fld id="{4FFB188F-A3DF-45DE-9366-DAFD81A4F846}" type="datetime1">
               <a:rPr lang="en-US" smtClean="0"/>
-              <a:t>10/29/2014</a:t>
+              <a:t>11/14/2014</a:t>
             </a:fld>
             <a:endParaRPr lang="en-GB" dirty="0"/>
           </a:p>
@@ -3663,7 +3663,7 @@
           <a:p>
             <a:fld id="{8CD432C1-BA4F-4DF9-B060-04EEA74AEB63}" type="datetime1">
               <a:rPr lang="en-US" smtClean="0"/>
-              <a:t>10/29/2014</a:t>
+              <a:t>11/14/2014</a:t>
             </a:fld>
             <a:endParaRPr lang="en-GB" dirty="0"/>
           </a:p>
@@ -3954,7 +3954,7 @@
           <a:p>
             <a:fld id="{9F3C91F2-FBB3-4742-8B5C-7E55D30FC346}" type="datetime1">
               <a:rPr lang="en-US" smtClean="0"/>
-              <a:t>10/29/2014</a:t>
+              <a:t>11/14/2014</a:t>
             </a:fld>
             <a:endParaRPr lang="en-GB" dirty="0"/>
           </a:p>
@@ -4171,7 +4171,7 @@
           <a:p>
             <a:fld id="{2E14C53F-BF27-4CA7-8275-1A34A7D51537}" type="datetime1">
               <a:rPr lang="en-US" smtClean="0"/>
-              <a:t>10/29/2014</a:t>
+              <a:t>11/14/2014</a:t>
             </a:fld>
             <a:endParaRPr lang="en-GB" dirty="0"/>
           </a:p>
@@ -4388,7 +4388,7 @@
           <a:p>
             <a:fld id="{9B619E48-0410-4C02-AFAC-073FDB2FBD47}" type="datetime1">
               <a:rPr lang="en-US" smtClean="0"/>
-              <a:t>10/29/2014</a:t>
+              <a:t>11/14/2014</a:t>
             </a:fld>
             <a:endParaRPr lang="en-GB" dirty="0"/>
           </a:p>
@@ -4559,7 +4559,7 @@
           <a:p>
             <a:fld id="{2B98A838-AA72-4594-ACAF-57868F9946A0}" type="datetime1">
               <a:rPr lang="en-US" smtClean="0"/>
-              <a:t>10/29/2014</a:t>
+              <a:t>11/14/2014</a:t>
             </a:fld>
             <a:endParaRPr lang="en-GB" dirty="0"/>
           </a:p>
@@ -5047,7 +5047,7 @@
           <a:p>
             <a:fld id="{D5235630-917D-47C5-A7FD-05EDE5C2EC97}" type="datetime1">
               <a:rPr lang="en-US" smtClean="0"/>
-              <a:t>10/29/2014</a:t>
+              <a:t>11/14/2014</a:t>
             </a:fld>
             <a:endParaRPr lang="en-GB" dirty="0"/>
           </a:p>
@@ -5196,7 +5196,7 @@
           <a:p>
             <a:fld id="{CF31C152-3035-461B-9FE9-A713524E711D}" type="datetime1">
               <a:rPr lang="en-US" smtClean="0"/>
-              <a:t>10/29/2014</a:t>
+              <a:t>11/14/2014</a:t>
             </a:fld>
             <a:endParaRPr lang="en-GB" dirty="0"/>
           </a:p>
@@ -5625,7 +5625,7 @@
           <a:p>
             <a:fld id="{044B89F7-7123-4CDC-B897-5FFC4B928E38}" type="datetime1">
               <a:rPr lang="en-US" smtClean="0"/>
-              <a:t>10/29/2014</a:t>
+              <a:t>11/14/2014</a:t>
             </a:fld>
             <a:endParaRPr lang="en-GB" dirty="0"/>
           </a:p>
@@ -5924,7 +5924,7 @@
           <a:p>
             <a:fld id="{FEE53783-98F3-4518-B0F1-483EEA357D14}" type="datetime1">
               <a:rPr lang="en-US" smtClean="0"/>
-              <a:t>10/29/2014</a:t>
+              <a:t>11/14/2014</a:t>
             </a:fld>
             <a:endParaRPr lang="en-GB" dirty="0"/>
           </a:p>
@@ -6256,7 +6256,7 @@
           <a:p>
             <a:fld id="{8E44F8FC-BFC5-45B3-BDBC-AB429CDAD8AB}" type="datetime1">
               <a:rPr lang="en-US" smtClean="0"/>
-              <a:t>10/29/2014</a:t>
+              <a:t>11/14/2014</a:t>
             </a:fld>
             <a:endParaRPr lang="en-GB" dirty="0"/>
           </a:p>
@@ -6695,7 +6695,7 @@
           <a:p>
             <a:fld id="{19F2D611-B658-40CB-A3C9-5636775BE6D3}" type="datetime1">
               <a:rPr lang="en-US" smtClean="0"/>
-              <a:t>10/29/2014</a:t>
+              <a:t>11/14/2014</a:t>
             </a:fld>
             <a:endParaRPr lang="en-GB" dirty="0"/>
           </a:p>
@@ -7253,7 +7253,7 @@
           <a:p>
             <a:fld id="{6F46AB46-B9E5-459F-8C87-534B33EF7994}" type="datetime1">
               <a:rPr lang="en-US" smtClean="0"/>
-              <a:t>10/29/2014</a:t>
+              <a:t>11/14/2014</a:t>
             </a:fld>
             <a:endParaRPr lang="en-GB" dirty="0"/>
           </a:p>
@@ -7457,7 +7457,7 @@
           <a:p>
             <a:fld id="{239014C9-6137-49EE-BD92-93CD75EA122E}" type="datetime1">
               <a:rPr lang="en-US" smtClean="0"/>
-              <a:t>10/29/2014</a:t>
+              <a:t>11/14/2014</a:t>
             </a:fld>
             <a:endParaRPr lang="en-GB" dirty="0"/>
           </a:p>
@@ -7661,7 +7661,7 @@
           <a:p>
             <a:fld id="{8F93730E-7C97-4F11-A885-A8A3179CDF9D}" type="datetime1">
               <a:rPr lang="en-US" smtClean="0"/>
-              <a:t>10/29/2014</a:t>
+              <a:t>11/14/2014</a:t>
             </a:fld>
             <a:endParaRPr lang="en-GB" dirty="0"/>
           </a:p>
@@ -7865,7 +7865,7 @@
           <a:p>
             <a:fld id="{A0CFCDFA-6933-4EAC-BEFF-5BC170CA4404}" type="datetime1">
               <a:rPr lang="en-US" smtClean="0"/>
-              <a:t>10/29/2014</a:t>
+              <a:t>11/14/2014</a:t>
             </a:fld>
             <a:endParaRPr lang="en-GB" dirty="0"/>
           </a:p>
@@ -8112,7 +8112,7 @@
           <a:p>
             <a:fld id="{CB6B008C-3601-43E4-B8C3-F11D36064B19}" type="datetime1">
               <a:rPr lang="en-US" smtClean="0"/>
-              <a:t>10/29/2014</a:t>
+              <a:t>11/14/2014</a:t>
             </a:fld>
             <a:endParaRPr lang="en-GB" dirty="0"/>
           </a:p>
@@ -8298,7 +8298,7 @@
           <a:p>
             <a:fld id="{A2A6D869-B416-4AD0-8C4F-183B93BDC3F2}" type="datetime1">
               <a:rPr lang="en-US" smtClean="0"/>
-              <a:t>10/29/2014</a:t>
+              <a:t>11/14/2014</a:t>
             </a:fld>
             <a:endParaRPr lang="en-GB" dirty="0"/>
           </a:p>
@@ -8467,7 +8467,7 @@
           <a:p>
             <a:fld id="{0EDA1953-F1C9-4687-9D65-25471E433FB8}" type="datetime1">
               <a:rPr lang="en-US" smtClean="0"/>
-              <a:t>10/29/2014</a:t>
+              <a:t>11/14/2014</a:t>
             </a:fld>
             <a:endParaRPr lang="en-GB" dirty="0"/>
           </a:p>
@@ -10431,7 +10431,7 @@
           <a:p>
             <a:fld id="{E1C1B178-CC15-49BC-9DD7-D11C28670564}" type="datetime1">
               <a:rPr lang="en-US" sz="800" smtClean="0"/>
-              <a:t>10/29/2014</a:t>
+              <a:t>11/14/2014</a:t>
             </a:fld>
             <a:endParaRPr lang="en-GB" sz="800" dirty="0"/>
           </a:p>
@@ -10446,7 +10446,7 @@
           <p:nvPr>
             <p:extLst>
               <p:ext uri="{D42A27DB-BD31-4B8C-83A1-F6EECF244321}">
-                <p14:modId xmlns:p14="http://schemas.microsoft.com/office/powerpoint/2010/main" val="1931082185"/>
+                <p14:modId xmlns:p14="http://schemas.microsoft.com/office/powerpoint/2010/main" val="1936320447"/>
               </p:ext>
             </p:extLst>
           </p:nvPr>
@@ -11877,12 +11877,28 @@
                     <a:p>
                       <a:pPr algn="l"/>
                       <a:r>
-                        <a:rPr lang="en-US" sz="1100" b="1" dirty="0" smtClean="0">
+                        <a:rPr lang="en-US" sz="1100" b="1" smtClean="0">
                           <a:solidFill>
                             <a:srgbClr val="00295B"/>
                           </a:solidFill>
                         </a:rPr>
-                        <a:t>FV Calculation: </a:t>
+                        <a:t>Existing</a:t>
+                      </a:r>
+                      <a:r>
+                        <a:rPr lang="en-US" sz="1100" b="1" baseline="0" smtClean="0">
+                          <a:solidFill>
+                            <a:srgbClr val="00295B"/>
+                          </a:solidFill>
+                        </a:rPr>
+                        <a:t> Range</a:t>
+                      </a:r>
+                      <a:r>
+                        <a:rPr lang="en-US" sz="1100" b="1" smtClean="0">
+                          <a:solidFill>
+                            <a:srgbClr val="00295B"/>
+                          </a:solidFill>
+                        </a:rPr>
+                        <a:t>: </a:t>
                       </a:r>
                       <a:endParaRPr lang="en-US" sz="1100" b="1" dirty="0">
                         <a:solidFill>
@@ -13503,7 +13519,7 @@
           <a:p>
             <a:fld id="{E1C1B178-CC15-49BC-9DD7-D11C28670564}" type="datetime1">
               <a:rPr lang="en-US" sz="800" smtClean="0"/>
-              <a:t>10/29/2014</a:t>
+              <a:t>11/14/2014</a:t>
             </a:fld>
             <a:endParaRPr lang="en-GB" sz="800" dirty="0"/>
           </a:p>
@@ -14567,7 +14583,7 @@
           <a:p>
             <a:fld id="{E1C1B178-CC15-49BC-9DD7-D11C28670564}" type="datetime1">
               <a:rPr lang="en-US" sz="800" smtClean="0"/>
-              <a:t>10/29/2014</a:t>
+              <a:t>11/14/2014</a:t>
             </a:fld>
             <a:endParaRPr lang="en-GB" sz="800" dirty="0"/>
           </a:p>
@@ -15878,7 +15894,7 @@
           <a:p>
             <a:fld id="{E1C1B178-CC15-49BC-9DD7-D11C28670564}" type="datetime1">
               <a:rPr lang="en-US" sz="800" smtClean="0"/>
-              <a:t>10/29/2014</a:t>
+              <a:t>11/14/2014</a:t>
             </a:fld>
             <a:endParaRPr lang="en-GB" sz="800" dirty="0"/>
           </a:p>

--- a/SourceCode/GreenField/GreenField.Web/Templates/Full IC Report template.pptx
+++ b/SourceCode/GreenField/GreenField.Web/Templates/Full IC Report template.pptx
@@ -320,7 +320,7 @@
             <a:fld id="{7BA49677-E515-4D80-9969-42B0962A10A0}" type="datetime1">
               <a:rPr lang="en-US"/>
               <a:pPr/>
-              <a:t>11/14/2014</a:t>
+              <a:t>11/21/2014</a:t>
             </a:fld>
             <a:endParaRPr lang="en-US"/>
           </a:p>
@@ -1544,7 +1544,7 @@
           <a:p>
             <a:fld id="{221F4587-3C4B-45A7-B26F-E61215212BD7}" type="datetime1">
               <a:rPr lang="en-US" smtClean="0"/>
-              <a:t>11/14/2014</a:t>
+              <a:t>11/21/2014</a:t>
             </a:fld>
             <a:endParaRPr lang="en-GB" dirty="0"/>
           </a:p>
@@ -1901,7 +1901,7 @@
           <a:p>
             <a:fld id="{5D4DDECE-779E-4403-BDF1-EC482D17F582}" type="datetime1">
               <a:rPr lang="en-US" smtClean="0"/>
-              <a:t>11/14/2014</a:t>
+              <a:t>11/21/2014</a:t>
             </a:fld>
             <a:endParaRPr lang="en-GB" dirty="0"/>
           </a:p>
@@ -2219,7 +2219,7 @@
           <a:p>
             <a:fld id="{DB5E7B97-3E05-4B55-BA90-6DF6A5CD8979}" type="datetime1">
               <a:rPr lang="en-US" smtClean="0"/>
-              <a:t>11/14/2014</a:t>
+              <a:t>11/21/2014</a:t>
             </a:fld>
             <a:endParaRPr lang="en-GB" dirty="0"/>
           </a:p>
@@ -2617,7 +2617,7 @@
           <a:p>
             <a:fld id="{4A55851F-C0CB-47F9-B3EA-A1782DCC4E66}" type="datetime1">
               <a:rPr lang="en-US" smtClean="0"/>
-              <a:t>11/14/2014</a:t>
+              <a:t>11/21/2014</a:t>
             </a:fld>
             <a:endParaRPr lang="en-GB" dirty="0"/>
           </a:p>
@@ -3015,7 +3015,7 @@
           <a:p>
             <a:fld id="{1462931B-2C99-41CD-8E87-9F5B01EB283C}" type="datetime1">
               <a:rPr lang="en-US" smtClean="0"/>
-              <a:t>11/14/2014</a:t>
+              <a:t>11/21/2014</a:t>
             </a:fld>
             <a:endParaRPr lang="en-GB" dirty="0"/>
           </a:p>
@@ -3339,7 +3339,7 @@
           <a:p>
             <a:fld id="{4FFB188F-A3DF-45DE-9366-DAFD81A4F846}" type="datetime1">
               <a:rPr lang="en-US" smtClean="0"/>
-              <a:t>11/14/2014</a:t>
+              <a:t>11/21/2014</a:t>
             </a:fld>
             <a:endParaRPr lang="en-GB" dirty="0"/>
           </a:p>
@@ -3663,7 +3663,7 @@
           <a:p>
             <a:fld id="{8CD432C1-BA4F-4DF9-B060-04EEA74AEB63}" type="datetime1">
               <a:rPr lang="en-US" smtClean="0"/>
-              <a:t>11/14/2014</a:t>
+              <a:t>11/21/2014</a:t>
             </a:fld>
             <a:endParaRPr lang="en-GB" dirty="0"/>
           </a:p>
@@ -3954,7 +3954,7 @@
           <a:p>
             <a:fld id="{9F3C91F2-FBB3-4742-8B5C-7E55D30FC346}" type="datetime1">
               <a:rPr lang="en-US" smtClean="0"/>
-              <a:t>11/14/2014</a:t>
+              <a:t>11/21/2014</a:t>
             </a:fld>
             <a:endParaRPr lang="en-GB" dirty="0"/>
           </a:p>
@@ -4171,7 +4171,7 @@
           <a:p>
             <a:fld id="{2E14C53F-BF27-4CA7-8275-1A34A7D51537}" type="datetime1">
               <a:rPr lang="en-US" smtClean="0"/>
-              <a:t>11/14/2014</a:t>
+              <a:t>11/21/2014</a:t>
             </a:fld>
             <a:endParaRPr lang="en-GB" dirty="0"/>
           </a:p>
@@ -4388,7 +4388,7 @@
           <a:p>
             <a:fld id="{9B619E48-0410-4C02-AFAC-073FDB2FBD47}" type="datetime1">
               <a:rPr lang="en-US" smtClean="0"/>
-              <a:t>11/14/2014</a:t>
+              <a:t>11/21/2014</a:t>
             </a:fld>
             <a:endParaRPr lang="en-GB" dirty="0"/>
           </a:p>
@@ -4559,7 +4559,7 @@
           <a:p>
             <a:fld id="{2B98A838-AA72-4594-ACAF-57868F9946A0}" type="datetime1">
               <a:rPr lang="en-US" smtClean="0"/>
-              <a:t>11/14/2014</a:t>
+              <a:t>11/21/2014</a:t>
             </a:fld>
             <a:endParaRPr lang="en-GB" dirty="0"/>
           </a:p>
@@ -5047,7 +5047,7 @@
           <a:p>
             <a:fld id="{D5235630-917D-47C5-A7FD-05EDE5C2EC97}" type="datetime1">
               <a:rPr lang="en-US" smtClean="0"/>
-              <a:t>11/14/2014</a:t>
+              <a:t>11/21/2014</a:t>
             </a:fld>
             <a:endParaRPr lang="en-GB" dirty="0"/>
           </a:p>
@@ -5196,7 +5196,7 @@
           <a:p>
             <a:fld id="{CF31C152-3035-461B-9FE9-A713524E711D}" type="datetime1">
               <a:rPr lang="en-US" smtClean="0"/>
-              <a:t>11/14/2014</a:t>
+              <a:t>11/21/2014</a:t>
             </a:fld>
             <a:endParaRPr lang="en-GB" dirty="0"/>
           </a:p>
@@ -5625,7 +5625,7 @@
           <a:p>
             <a:fld id="{044B89F7-7123-4CDC-B897-5FFC4B928E38}" type="datetime1">
               <a:rPr lang="en-US" smtClean="0"/>
-              <a:t>11/14/2014</a:t>
+              <a:t>11/21/2014</a:t>
             </a:fld>
             <a:endParaRPr lang="en-GB" dirty="0"/>
           </a:p>
@@ -5924,7 +5924,7 @@
           <a:p>
             <a:fld id="{FEE53783-98F3-4518-B0F1-483EEA357D14}" type="datetime1">
               <a:rPr lang="en-US" smtClean="0"/>
-              <a:t>11/14/2014</a:t>
+              <a:t>11/21/2014</a:t>
             </a:fld>
             <a:endParaRPr lang="en-GB" dirty="0"/>
           </a:p>
@@ -6256,7 +6256,7 @@
           <a:p>
             <a:fld id="{8E44F8FC-BFC5-45B3-BDBC-AB429CDAD8AB}" type="datetime1">
               <a:rPr lang="en-US" smtClean="0"/>
-              <a:t>11/14/2014</a:t>
+              <a:t>11/21/2014</a:t>
             </a:fld>
             <a:endParaRPr lang="en-GB" dirty="0"/>
           </a:p>
@@ -6695,7 +6695,7 @@
           <a:p>
             <a:fld id="{19F2D611-B658-40CB-A3C9-5636775BE6D3}" type="datetime1">
               <a:rPr lang="en-US" smtClean="0"/>
-              <a:t>11/14/2014</a:t>
+              <a:t>11/21/2014</a:t>
             </a:fld>
             <a:endParaRPr lang="en-GB" dirty="0"/>
           </a:p>
@@ -7253,7 +7253,7 @@
           <a:p>
             <a:fld id="{6F46AB46-B9E5-459F-8C87-534B33EF7994}" type="datetime1">
               <a:rPr lang="en-US" smtClean="0"/>
-              <a:t>11/14/2014</a:t>
+              <a:t>11/21/2014</a:t>
             </a:fld>
             <a:endParaRPr lang="en-GB" dirty="0"/>
           </a:p>
@@ -7457,7 +7457,7 @@
           <a:p>
             <a:fld id="{239014C9-6137-49EE-BD92-93CD75EA122E}" type="datetime1">
               <a:rPr lang="en-US" smtClean="0"/>
-              <a:t>11/14/2014</a:t>
+              <a:t>11/21/2014</a:t>
             </a:fld>
             <a:endParaRPr lang="en-GB" dirty="0"/>
           </a:p>
@@ -7661,7 +7661,7 @@
           <a:p>
             <a:fld id="{8F93730E-7C97-4F11-A885-A8A3179CDF9D}" type="datetime1">
               <a:rPr lang="en-US" smtClean="0"/>
-              <a:t>11/14/2014</a:t>
+              <a:t>11/21/2014</a:t>
             </a:fld>
             <a:endParaRPr lang="en-GB" dirty="0"/>
           </a:p>
@@ -7865,7 +7865,7 @@
           <a:p>
             <a:fld id="{A0CFCDFA-6933-4EAC-BEFF-5BC170CA4404}" type="datetime1">
               <a:rPr lang="en-US" smtClean="0"/>
-              <a:t>11/14/2014</a:t>
+              <a:t>11/21/2014</a:t>
             </a:fld>
             <a:endParaRPr lang="en-GB" dirty="0"/>
           </a:p>
@@ -8112,7 +8112,7 @@
           <a:p>
             <a:fld id="{CB6B008C-3601-43E4-B8C3-F11D36064B19}" type="datetime1">
               <a:rPr lang="en-US" smtClean="0"/>
-              <a:t>11/14/2014</a:t>
+              <a:t>11/21/2014</a:t>
             </a:fld>
             <a:endParaRPr lang="en-GB" dirty="0"/>
           </a:p>
@@ -8298,7 +8298,7 @@
           <a:p>
             <a:fld id="{A2A6D869-B416-4AD0-8C4F-183B93BDC3F2}" type="datetime1">
               <a:rPr lang="en-US" smtClean="0"/>
-              <a:t>11/14/2014</a:t>
+              <a:t>11/21/2014</a:t>
             </a:fld>
             <a:endParaRPr lang="en-GB" dirty="0"/>
           </a:p>
@@ -8467,7 +8467,7 @@
           <a:p>
             <a:fld id="{0EDA1953-F1C9-4687-9D65-25471E433FB8}" type="datetime1">
               <a:rPr lang="en-US" smtClean="0"/>
-              <a:t>11/14/2014</a:t>
+              <a:t>11/21/2014</a:t>
             </a:fld>
             <a:endParaRPr lang="en-GB" dirty="0"/>
           </a:p>
@@ -10431,7 +10431,7 @@
           <a:p>
             <a:fld id="{E1C1B178-CC15-49BC-9DD7-D11C28670564}" type="datetime1">
               <a:rPr lang="en-US" sz="800" smtClean="0"/>
-              <a:t>11/14/2014</a:t>
+              <a:t>11/21/2014</a:t>
             </a:fld>
             <a:endParaRPr lang="en-GB" sz="800" dirty="0"/>
           </a:p>
@@ -10446,7 +10446,7 @@
           <p:nvPr>
             <p:extLst>
               <p:ext uri="{D42A27DB-BD31-4B8C-83A1-F6EECF244321}">
-                <p14:modId xmlns:p14="http://schemas.microsoft.com/office/powerpoint/2010/main" val="1936320447"/>
+                <p14:modId xmlns:p14="http://schemas.microsoft.com/office/powerpoint/2010/main" val="3819062914"/>
               </p:ext>
             </p:extLst>
           </p:nvPr>
@@ -10462,8 +10462,8 @@
                 <a:tableStyleId>{5C22544A-7EE6-4342-B048-85BDC9FD1C3A}</a:tableStyleId>
               </a:tblPr>
               <a:tblGrid>
-                <a:gridCol w="1508759"/>
-                <a:gridCol w="1198881"/>
+                <a:gridCol w="1651000"/>
+                <a:gridCol w="1056640"/>
                 <a:gridCol w="1981200"/>
                 <a:gridCol w="1346200"/>
               </a:tblGrid>
@@ -12500,14 +12500,30 @@
                     <a:bodyPr/>
                     <a:lstStyle/>
                     <a:p>
-                      <a:pPr algn="l"/>
+                      <a:pPr marL="0" marR="0" indent="0" algn="l" defTabSz="914400" rtl="0" eaLnBrk="1" fontAlgn="auto" latinLnBrk="0" hangingPunct="1">
+                        <a:lnSpc>
+                          <a:spcPct val="100000"/>
+                        </a:lnSpc>
+                        <a:spcBef>
+                          <a:spcPts val="0"/>
+                        </a:spcBef>
+                        <a:spcAft>
+                          <a:spcPts val="0"/>
+                        </a:spcAft>
+                        <a:buClrTx/>
+                        <a:buSzTx/>
+                        <a:buFontTx/>
+                        <a:buNone/>
+                        <a:tabLst/>
+                        <a:defRPr/>
+                      </a:pPr>
                       <a:r>
                         <a:rPr lang="en-US" sz="1100" b="1" dirty="0" smtClean="0">
                           <a:solidFill>
                             <a:srgbClr val="00295B"/>
                           </a:solidFill>
                         </a:rPr>
-                        <a:t>Buy-Sell valuations:</a:t>
+                        <a:t>Recommended Range:</a:t>
                       </a:r>
                       <a:r>
                         <a:rPr lang="en-US" sz="1100" b="1" baseline="0" dirty="0" smtClean="0">
@@ -12515,7 +12531,7 @@
                             <a:srgbClr val="00295B"/>
                           </a:solidFill>
                         </a:rPr>
-                        <a:t> </a:t>
+                        <a:t>  </a:t>
                       </a:r>
                       <a:endParaRPr lang="en-US" sz="1100" b="1" dirty="0">
                         <a:solidFill>
@@ -13519,7 +13535,7 @@
           <a:p>
             <a:fld id="{E1C1B178-CC15-49BC-9DD7-D11C28670564}" type="datetime1">
               <a:rPr lang="en-US" sz="800" smtClean="0"/>
-              <a:t>11/14/2014</a:t>
+              <a:t>11/21/2014</a:t>
             </a:fld>
             <a:endParaRPr lang="en-GB" sz="800" dirty="0"/>
           </a:p>
@@ -14583,7 +14599,7 @@
           <a:p>
             <a:fld id="{E1C1B178-CC15-49BC-9DD7-D11C28670564}" type="datetime1">
               <a:rPr lang="en-US" sz="800" smtClean="0"/>
-              <a:t>11/14/2014</a:t>
+              <a:t>11/21/2014</a:t>
             </a:fld>
             <a:endParaRPr lang="en-GB" sz="800" dirty="0"/>
           </a:p>
@@ -15894,7 +15910,7 @@
           <a:p>
             <a:fld id="{E1C1B178-CC15-49BC-9DD7-D11C28670564}" type="datetime1">
               <a:rPr lang="en-US" sz="800" smtClean="0"/>
-              <a:t>11/14/2014</a:t>
+              <a:t>11/21/2014</a:t>
             </a:fld>
             <a:endParaRPr lang="en-GB" sz="800" dirty="0"/>
           </a:p>
